--- a/Наработки/диздоки/Испания/Каталония.pptx
+++ b/Наработки/диздоки/Испания/Каталония.pptx
@@ -3512,7 +3512,6 @@
               <a:rPr lang="ru-RU" sz="600" dirty="0" smtClean="0"/>
               <a:t>CNT)</a:t>
             </a:r>
-            <a:endParaRPr lang="ru-RU" sz="600" dirty="0" smtClean="0"/>
           </a:p>
         </p:txBody>
       </p:sp>
@@ -3845,7 +3844,6 @@
               <a:rPr lang="ru-RU" sz="600" dirty="0" smtClean="0"/>
               <a:t>)</a:t>
             </a:r>
-            <a:endParaRPr lang="ru-RU" sz="600" dirty="0" smtClean="0"/>
           </a:p>
         </p:txBody>
       </p:sp>
@@ -4432,7 +4430,6 @@
               <a:rPr lang="ru-RU" sz="200" dirty="0" smtClean="0"/>
               <a:t>)</a:t>
             </a:r>
-            <a:endParaRPr lang="ru-RU" sz="200" dirty="0" smtClean="0"/>
           </a:p>
         </p:txBody>
       </p:sp>
@@ -4473,11 +4470,7 @@
             <a:pPr algn="ctr"/>
             <a:r>
               <a:rPr lang="ru-RU" sz="1400" dirty="0" smtClean="0"/>
-              <a:t>Вступить в Коминтерн</a:t>
-            </a:r>
-            <a:r>
-              <a:rPr lang="ru-RU" sz="1400" dirty="0" smtClean="0"/>
-              <a:t> </a:t>
+              <a:t>Вступить в Коминтерн </a:t>
             </a:r>
             <a:r>
               <a:rPr lang="ru-RU" sz="300" dirty="0"/>
@@ -4730,11 +4723,11 @@
             </a:r>
             <a:r>
               <a:rPr lang="ru-RU" sz="600" dirty="0"/>
-              <a:t>, а президентом всей Каталонии. Это был новый шаг к обретению полного суверенитета Каталонии, и, как и все прочие, он не был согласован с Мадридом</a:t>
+              <a:t>, а президентом всей Каталонии. Это был новый шаг к обретению полного суверенитета Каталонии, и, как и все прочие, он не был согласован с </a:t>
             </a:r>
             <a:r>
               <a:rPr lang="ru-RU" sz="600" dirty="0" smtClean="0"/>
-              <a:t>.)</a:t>
+              <a:t>Мадридом.)</a:t>
             </a:r>
             <a:endParaRPr lang="ru-RU" sz="600" dirty="0" smtClean="0"/>
           </a:p>
@@ -5278,6 +5271,81 @@
           </a:fontRef>
         </p:style>
       </p:cxnSp>
+      <p:sp>
+        <p:nvSpPr>
+          <p:cNvPr id="30" name="Прямоугольник 29"/>
+          <p:cNvSpPr/>
+          <p:nvPr/>
+        </p:nvSpPr>
+        <p:spPr>
+          <a:xfrm>
+            <a:off x="11933428" y="630034"/>
+            <a:ext cx="2115918" cy="1080000"/>
+          </a:xfrm>
+          <a:prstGeom prst="rect">
+            <a:avLst/>
+          </a:prstGeom>
+          <a:ln w="28575"/>
+        </p:spPr>
+        <p:style>
+          <a:lnRef idx="2">
+            <a:schemeClr val="accent1"/>
+          </a:lnRef>
+          <a:fillRef idx="1">
+            <a:schemeClr val="lt1"/>
+          </a:fillRef>
+          <a:effectRef idx="0">
+            <a:schemeClr val="accent1"/>
+          </a:effectRef>
+          <a:fontRef idx="minor">
+            <a:schemeClr val="dk1"/>
+          </a:fontRef>
+        </p:style>
+        <p:txBody>
+          <a:bodyPr lIns="124733" tIns="62367" rIns="124733" bIns="62367" rtlCol="0" anchor="ctr"/>
+          <a:lstStyle/>
+          <a:p>
+            <a:pPr algn="ctr"/>
+            <a:r>
+              <a:rPr lang="ru-RU" sz="600" dirty="0"/>
+              <a:t>(Еще одним из лидеров международного коммунистического движения, вскоре прибывшим в Испанию, был венгр </a:t>
+            </a:r>
+            <a:r>
+              <a:rPr lang="ru-RU" sz="600" dirty="0" err="1"/>
+              <a:t>Эрнё</a:t>
+            </a:r>
+            <a:r>
+              <a:rPr lang="ru-RU" sz="600" dirty="0"/>
+              <a:t> </a:t>
+            </a:r>
+            <a:r>
+              <a:rPr lang="ru-RU" sz="600" dirty="0" err="1"/>
+              <a:t>Герё</a:t>
+            </a:r>
+            <a:r>
+              <a:rPr lang="ru-RU" sz="600" dirty="0"/>
+              <a:t>, который много лет работал в Париже под именем Зингер, а теперь </a:t>
+            </a:r>
+            <a:r>
+              <a:rPr lang="ru-RU" sz="600" dirty="0" err="1"/>
+              <a:t>сталПедро</a:t>
+            </a:r>
+            <a:r>
+              <a:rPr lang="ru-RU" sz="600" dirty="0"/>
+              <a:t> или </a:t>
+            </a:r>
+            <a:r>
+              <a:rPr lang="ru-RU" sz="600" dirty="0" err="1"/>
+              <a:t>Герэ</a:t>
+            </a:r>
+            <a:r>
+              <a:rPr lang="ru-RU" sz="600" dirty="0"/>
+              <a:t>. На него была возложена ответственность за руководство коммунистами в Каталонии..)</a:t>
+            </a:r>
+            <a:endParaRPr lang="ru-RU" sz="600" dirty="0" smtClean="0"/>
+          </a:p>
+        </p:txBody>
+      </p:sp>
     </p:spTree>
     <p:extLst>
       <p:ext uri="{BB962C8B-B14F-4D97-AF65-F5344CB8AC3E}">

--- a/Наработки/диздоки/Испания/Каталония.pptx
+++ b/Наработки/диздоки/Испания/Каталония.pptx
@@ -209,7 +209,7 @@
             <a:fld id="{33E3D7F9-E251-484C-A6FF-FA958879DF69}" type="datetimeFigureOut">
               <a:rPr lang="ru-RU" smtClean="0"/>
               <a:pPr/>
-              <a:t>16.09.2021</a:t>
+              <a:t>17.09.2021</a:t>
             </a:fld>
             <a:endParaRPr lang="ru-RU"/>
           </a:p>
@@ -700,7 +700,7 @@
             <a:fld id="{85A5DE44-605B-4D3B-B2B7-94543DF81A36}" type="datetimeFigureOut">
               <a:rPr lang="ru-RU" smtClean="0"/>
               <a:pPr/>
-              <a:t>16.09.2021</a:t>
+              <a:t>17.09.2021</a:t>
             </a:fld>
             <a:endParaRPr lang="ru-RU"/>
           </a:p>
@@ -872,7 +872,7 @@
             <a:fld id="{85A5DE44-605B-4D3B-B2B7-94543DF81A36}" type="datetimeFigureOut">
               <a:rPr lang="ru-RU" smtClean="0"/>
               <a:pPr/>
-              <a:t>16.09.2021</a:t>
+              <a:t>17.09.2021</a:t>
             </a:fld>
             <a:endParaRPr lang="ru-RU"/>
           </a:p>
@@ -1054,7 +1054,7 @@
             <a:fld id="{85A5DE44-605B-4D3B-B2B7-94543DF81A36}" type="datetimeFigureOut">
               <a:rPr lang="ru-RU" smtClean="0"/>
               <a:pPr/>
-              <a:t>16.09.2021</a:t>
+              <a:t>17.09.2021</a:t>
             </a:fld>
             <a:endParaRPr lang="ru-RU"/>
           </a:p>
@@ -1226,7 +1226,7 @@
             <a:fld id="{85A5DE44-605B-4D3B-B2B7-94543DF81A36}" type="datetimeFigureOut">
               <a:rPr lang="ru-RU" smtClean="0"/>
               <a:pPr/>
-              <a:t>16.09.2021</a:t>
+              <a:t>17.09.2021</a:t>
             </a:fld>
             <a:endParaRPr lang="ru-RU"/>
           </a:p>
@@ -1474,7 +1474,7 @@
             <a:fld id="{85A5DE44-605B-4D3B-B2B7-94543DF81A36}" type="datetimeFigureOut">
               <a:rPr lang="ru-RU" smtClean="0"/>
               <a:pPr/>
-              <a:t>16.09.2021</a:t>
+              <a:t>17.09.2021</a:t>
             </a:fld>
             <a:endParaRPr lang="ru-RU"/>
           </a:p>
@@ -1708,7 +1708,7 @@
             <a:fld id="{85A5DE44-605B-4D3B-B2B7-94543DF81A36}" type="datetimeFigureOut">
               <a:rPr lang="ru-RU" smtClean="0"/>
               <a:pPr/>
-              <a:t>16.09.2021</a:t>
+              <a:t>17.09.2021</a:t>
             </a:fld>
             <a:endParaRPr lang="ru-RU"/>
           </a:p>
@@ -2077,7 +2077,7 @@
             <a:fld id="{85A5DE44-605B-4D3B-B2B7-94543DF81A36}" type="datetimeFigureOut">
               <a:rPr lang="ru-RU" smtClean="0"/>
               <a:pPr/>
-              <a:t>16.09.2021</a:t>
+              <a:t>17.09.2021</a:t>
             </a:fld>
             <a:endParaRPr lang="ru-RU"/>
           </a:p>
@@ -2197,7 +2197,7 @@
             <a:fld id="{85A5DE44-605B-4D3B-B2B7-94543DF81A36}" type="datetimeFigureOut">
               <a:rPr lang="ru-RU" smtClean="0"/>
               <a:pPr/>
-              <a:t>16.09.2021</a:t>
+              <a:t>17.09.2021</a:t>
             </a:fld>
             <a:endParaRPr lang="ru-RU"/>
           </a:p>
@@ -2294,7 +2294,7 @@
             <a:fld id="{85A5DE44-605B-4D3B-B2B7-94543DF81A36}" type="datetimeFigureOut">
               <a:rPr lang="ru-RU" smtClean="0"/>
               <a:pPr/>
-              <a:t>16.09.2021</a:t>
+              <a:t>17.09.2021</a:t>
             </a:fld>
             <a:endParaRPr lang="ru-RU"/>
           </a:p>
@@ -2573,7 +2573,7 @@
             <a:fld id="{85A5DE44-605B-4D3B-B2B7-94543DF81A36}" type="datetimeFigureOut">
               <a:rPr lang="ru-RU" smtClean="0"/>
               <a:pPr/>
-              <a:t>16.09.2021</a:t>
+              <a:t>17.09.2021</a:t>
             </a:fld>
             <a:endParaRPr lang="ru-RU"/>
           </a:p>
@@ -2832,7 +2832,7 @@
             <a:fld id="{85A5DE44-605B-4D3B-B2B7-94543DF81A36}" type="datetimeFigureOut">
               <a:rPr lang="ru-RU" smtClean="0"/>
               <a:pPr/>
-              <a:t>16.09.2021</a:t>
+              <a:t>17.09.2021</a:t>
             </a:fld>
             <a:endParaRPr lang="ru-RU"/>
           </a:p>
@@ -3047,7 +3047,7 @@
             <a:fld id="{85A5DE44-605B-4D3B-B2B7-94543DF81A36}" type="datetimeFigureOut">
               <a:rPr lang="ru-RU" smtClean="0"/>
               <a:pPr/>
-              <a:t>16.09.2021</a:t>
+              <a:t>17.09.2021</a:t>
             </a:fld>
             <a:endParaRPr lang="ru-RU"/>
           </a:p>
@@ -3517,41 +3517,6 @@
       </p:sp>
       <p:cxnSp>
         <p:nvCxnSpPr>
-          <p:cNvPr id="395" name="Соединительная линия уступом 394"/>
-          <p:cNvCxnSpPr/>
-          <p:nvPr/>
-        </p:nvCxnSpPr>
-        <p:spPr>
-          <a:xfrm rot="5400000">
-            <a:off x="3278320" y="-830502"/>
-            <a:ext cx="476733" cy="4717202"/>
-          </a:xfrm>
-          <a:prstGeom prst="bentConnector3">
-            <a:avLst>
-              <a:gd name="adj1" fmla="val 50000"/>
-            </a:avLst>
-          </a:prstGeom>
-          <a:ln w="28575">
-            <a:tailEnd type="arrow"/>
-          </a:ln>
-        </p:spPr>
-        <p:style>
-          <a:lnRef idx="1">
-            <a:schemeClr val="accent1"/>
-          </a:lnRef>
-          <a:fillRef idx="0">
-            <a:schemeClr val="accent1"/>
-          </a:fillRef>
-          <a:effectRef idx="0">
-            <a:schemeClr val="accent1"/>
-          </a:effectRef>
-          <a:fontRef idx="minor">
-            <a:schemeClr val="tx1"/>
-          </a:fontRef>
-        </p:style>
-      </p:cxnSp>
-      <p:cxnSp>
-        <p:nvCxnSpPr>
           <p:cNvPr id="305" name="Прямая соединительная линия 304"/>
           <p:cNvCxnSpPr>
             <a:stCxn id="216" idx="3"/>
@@ -4288,6 +4253,10 @@
               <a:rPr lang="ru-RU" sz="1400" dirty="0" err="1" smtClean="0"/>
               <a:t>Женералитета</a:t>
             </a:r>
+            <a:r>
+              <a:rPr lang="ru-RU" sz="1400" dirty="0" smtClean="0"/>
+              <a:t> (интегрировать ПОУМ, социалистов и Анархистов (исторично)</a:t>
+            </a:r>
             <a:endParaRPr lang="ru-RU" sz="600" dirty="0" smtClean="0"/>
           </a:p>
         </p:txBody>
@@ -4328,8 +4297,8 @@
           <a:p>
             <a:pPr algn="ctr"/>
             <a:r>
-              <a:rPr lang="ru-RU" sz="1400" dirty="0" smtClean="0"/>
-              <a:t>Анархизм</a:t>
+              <a:rPr lang="en-US" sz="1400" dirty="0" smtClean="0"/>
+              <a:t>CNT</a:t>
             </a:r>
             <a:endParaRPr lang="ru-RU" sz="600" dirty="0" smtClean="0"/>
           </a:p>
@@ -4611,7 +4580,7 @@
         </p:nvSpPr>
         <p:spPr>
           <a:xfrm>
-            <a:off x="4387856" y="9027224"/>
+            <a:off x="4373680" y="5752728"/>
             <a:ext cx="2115918" cy="1080000"/>
           </a:xfrm>
           <a:prstGeom prst="rect">
@@ -4729,7 +4698,6 @@
               <a:rPr lang="ru-RU" sz="600" dirty="0" smtClean="0"/>
               <a:t>Мадридом.)</a:t>
             </a:r>
-            <a:endParaRPr lang="ru-RU" sz="600" dirty="0" smtClean="0"/>
           </a:p>
         </p:txBody>
       </p:sp>
@@ -5343,6 +5311,362 @@
               <a:t>. На него была возложена ответственность за руководство коммунистами в Каталонии..)</a:t>
             </a:r>
             <a:endParaRPr lang="ru-RU" sz="600" dirty="0" smtClean="0"/>
+          </a:p>
+        </p:txBody>
+      </p:sp>
+      <p:sp>
+        <p:nvSpPr>
+          <p:cNvPr id="31" name="Прямоугольник 30"/>
+          <p:cNvSpPr/>
+          <p:nvPr/>
+        </p:nvSpPr>
+        <p:spPr>
+          <a:xfrm>
+            <a:off x="4561502" y="638193"/>
+            <a:ext cx="2115918" cy="1080000"/>
+          </a:xfrm>
+          <a:prstGeom prst="rect">
+            <a:avLst/>
+          </a:prstGeom>
+          <a:ln w="28575"/>
+        </p:spPr>
+        <p:style>
+          <a:lnRef idx="2">
+            <a:schemeClr val="accent1"/>
+          </a:lnRef>
+          <a:fillRef idx="1">
+            <a:schemeClr val="lt1"/>
+          </a:fillRef>
+          <a:effectRef idx="0">
+            <a:schemeClr val="accent1"/>
+          </a:effectRef>
+          <a:fontRef idx="minor">
+            <a:schemeClr val="dk1"/>
+          </a:fontRef>
+        </p:style>
+        <p:txBody>
+          <a:bodyPr lIns="124733" tIns="62367" rIns="124733" bIns="62367" rtlCol="0" anchor="ctr"/>
+          <a:lstStyle/>
+          <a:p>
+            <a:pPr algn="ctr"/>
+            <a:r>
+              <a:rPr lang="ru-RU" sz="1400" dirty="0" smtClean="0"/>
+              <a:t>Интегрировать </a:t>
+            </a:r>
+            <a:r>
+              <a:rPr lang="en-US" sz="1400" dirty="0" smtClean="0"/>
+              <a:t>CNT </a:t>
+            </a:r>
+            <a:r>
+              <a:rPr lang="ru-RU" sz="1400" dirty="0" smtClean="0"/>
+              <a:t>в </a:t>
+            </a:r>
+            <a:r>
+              <a:rPr lang="ru-RU" sz="1400" dirty="0" err="1" smtClean="0"/>
+              <a:t>Женералитет</a:t>
+            </a:r>
+            <a:r>
+              <a:rPr lang="ru-RU" sz="1400" dirty="0"/>
+              <a:t> </a:t>
+            </a:r>
+            <a:r>
+              <a:rPr lang="ru-RU" sz="400" dirty="0"/>
+              <a:t>(26 сентября CNT, </a:t>
+            </a:r>
+            <a:r>
+              <a:rPr lang="ru-RU" sz="400" dirty="0" err="1"/>
+              <a:t>котораясо</a:t>
+            </a:r>
+            <a:r>
+              <a:rPr lang="ru-RU" sz="400" dirty="0"/>
+              <a:t> времени мятежа обладала в Барселоне реальной властью, вошла в состав </a:t>
+            </a:r>
+            <a:r>
+              <a:rPr lang="ru-RU" sz="400" dirty="0" err="1"/>
+              <a:t>Женералитата.Хуан</a:t>
+            </a:r>
+            <a:r>
+              <a:rPr lang="ru-RU" sz="400" dirty="0"/>
+              <a:t> </a:t>
+            </a:r>
+            <a:r>
+              <a:rPr lang="ru-RU" sz="400" dirty="0" err="1"/>
+              <a:t>Фабрегас</a:t>
+            </a:r>
+            <a:r>
+              <a:rPr lang="ru-RU" sz="400" dirty="0"/>
+              <a:t> стал советником по экономике Каталонии. Анархисты же назвали правительство Каталонии Региональным советом обороны, чтобы у их уже обеспокоенных экстремистских последователей не создалось впечатление, будто они вошли в настоящее </a:t>
+            </a:r>
+            <a:r>
+              <a:rPr lang="ru-RU" sz="400" dirty="0" err="1" smtClean="0"/>
+              <a:t>правительство.К</a:t>
+            </a:r>
+            <a:r>
+              <a:rPr lang="ru-RU" sz="400" dirty="0" smtClean="0"/>
+              <a:t> </a:t>
+            </a:r>
+            <a:r>
+              <a:rPr lang="ru-RU" sz="400" dirty="0"/>
+              <a:t>нему присоединился и POUM – Андрее Нин стал министром юстиции. Вошло в правительство, которое возглавил </a:t>
+            </a:r>
+            <a:r>
+              <a:rPr lang="ru-RU" sz="400" dirty="0" err="1"/>
+              <a:t>Коморера</a:t>
+            </a:r>
+            <a:r>
+              <a:rPr lang="ru-RU" sz="400" dirty="0"/>
+              <a:t>, и </a:t>
+            </a:r>
+            <a:r>
+              <a:rPr lang="ru-RU" sz="400" dirty="0" smtClean="0"/>
+              <a:t>PSUC)</a:t>
+            </a:r>
+            <a:endParaRPr lang="ru-RU" sz="100" dirty="0" smtClean="0"/>
+          </a:p>
+        </p:txBody>
+      </p:sp>
+      <p:sp>
+        <p:nvSpPr>
+          <p:cNvPr id="32" name="Прямоугольник 31"/>
+          <p:cNvSpPr/>
+          <p:nvPr/>
+        </p:nvSpPr>
+        <p:spPr>
+          <a:xfrm>
+            <a:off x="4373680" y="9027224"/>
+            <a:ext cx="2115918" cy="1080000"/>
+          </a:xfrm>
+          <a:prstGeom prst="rect">
+            <a:avLst/>
+          </a:prstGeom>
+          <a:ln w="28575"/>
+        </p:spPr>
+        <p:style>
+          <a:lnRef idx="2">
+            <a:schemeClr val="accent1"/>
+          </a:lnRef>
+          <a:fillRef idx="1">
+            <a:schemeClr val="lt1"/>
+          </a:fillRef>
+          <a:effectRef idx="0">
+            <a:schemeClr val="accent1"/>
+          </a:effectRef>
+          <a:fontRef idx="minor">
+            <a:schemeClr val="dk1"/>
+          </a:fontRef>
+        </p:style>
+        <p:txBody>
+          <a:bodyPr lIns="124733" tIns="62367" rIns="124733" bIns="62367" rtlCol="0" anchor="ctr"/>
+          <a:lstStyle/>
+          <a:p>
+            <a:pPr algn="ctr"/>
+            <a:r>
+              <a:rPr lang="ru-RU" sz="1400" dirty="0" smtClean="0"/>
+              <a:t>Обуздать революционную разболтанность </a:t>
+            </a:r>
+            <a:r>
+              <a:rPr lang="ru-RU" sz="400" dirty="0" smtClean="0"/>
+              <a:t>(</a:t>
+            </a:r>
+            <a:r>
+              <a:rPr lang="ru-RU" sz="400" dirty="0"/>
+              <a:t>Правительство объявило своей целью обуздать революционную разболтанность. Значение анархистов с каждым днем стало падать – так же как и влияние Комитета антифашистской милиции, в котором они пользовались авторитетом. Это привело к гневным вспышкам среди рядовых анархистов.</a:t>
+            </a:r>
+            <a:r>
+              <a:rPr lang="ru-RU" sz="400" dirty="0" smtClean="0"/>
+              <a:t>)</a:t>
+            </a:r>
+            <a:endParaRPr lang="ru-RU" sz="100" dirty="0" smtClean="0"/>
+          </a:p>
+        </p:txBody>
+      </p:sp>
+      <p:sp>
+        <p:nvSpPr>
+          <p:cNvPr id="33" name="Прямоугольник 32"/>
+          <p:cNvSpPr/>
+          <p:nvPr/>
+        </p:nvSpPr>
+        <p:spPr>
+          <a:xfrm>
+            <a:off x="6865242" y="12041496"/>
+            <a:ext cx="2115918" cy="1080000"/>
+          </a:xfrm>
+          <a:prstGeom prst="rect">
+            <a:avLst/>
+          </a:prstGeom>
+          <a:ln w="28575"/>
+        </p:spPr>
+        <p:style>
+          <a:lnRef idx="2">
+            <a:schemeClr val="accent1"/>
+          </a:lnRef>
+          <a:fillRef idx="1">
+            <a:schemeClr val="lt1"/>
+          </a:fillRef>
+          <a:effectRef idx="0">
+            <a:schemeClr val="accent1"/>
+          </a:effectRef>
+          <a:fontRef idx="minor">
+            <a:schemeClr val="dk1"/>
+          </a:fontRef>
+        </p:style>
+        <p:txBody>
+          <a:bodyPr lIns="124733" tIns="62367" rIns="124733" bIns="62367" rtlCol="0" anchor="ctr"/>
+          <a:lstStyle/>
+          <a:p>
+            <a:pPr algn="ctr"/>
+            <a:r>
+              <a:rPr lang="ru-RU" sz="1400" dirty="0" smtClean="0"/>
+              <a:t>Региональный совет </a:t>
+            </a:r>
+            <a:r>
+              <a:rPr lang="ru-RU" sz="1400" dirty="0"/>
+              <a:t>обороны Каталонии </a:t>
+            </a:r>
+            <a:r>
+              <a:rPr lang="ru-RU" sz="600" dirty="0"/>
+              <a:t>(Анархисты же назвали правительство Каталонии Региональным советом обороны, чтобы у их уже обеспокоенных экстремистских последователей не создалось впечатление, будто они вошли в настоящее правительство</a:t>
+            </a:r>
+            <a:r>
+              <a:rPr lang="ru-RU" sz="600" dirty="0" smtClean="0"/>
+              <a:t>.)</a:t>
+            </a:r>
+            <a:endParaRPr lang="ru-RU" sz="100" dirty="0" smtClean="0"/>
+          </a:p>
+        </p:txBody>
+      </p:sp>
+      <p:sp>
+        <p:nvSpPr>
+          <p:cNvPr id="34" name="Прямоугольник 33"/>
+          <p:cNvSpPr/>
+          <p:nvPr/>
+        </p:nvSpPr>
+        <p:spPr>
+          <a:xfrm>
+            <a:off x="6865242" y="13527234"/>
+            <a:ext cx="2115918" cy="1080000"/>
+          </a:xfrm>
+          <a:prstGeom prst="rect">
+            <a:avLst/>
+          </a:prstGeom>
+          <a:ln w="28575"/>
+        </p:spPr>
+        <p:style>
+          <a:lnRef idx="2">
+            <a:schemeClr val="accent1"/>
+          </a:lnRef>
+          <a:fillRef idx="1">
+            <a:schemeClr val="lt1"/>
+          </a:fillRef>
+          <a:effectRef idx="0">
+            <a:schemeClr val="accent1"/>
+          </a:effectRef>
+          <a:fontRef idx="minor">
+            <a:schemeClr val="dk1"/>
+          </a:fontRef>
+        </p:style>
+        <p:txBody>
+          <a:bodyPr lIns="124733" tIns="62367" rIns="124733" bIns="62367" rtlCol="0" anchor="ctr"/>
+          <a:lstStyle/>
+          <a:p>
+            <a:pPr algn="ctr"/>
+            <a:r>
+              <a:rPr lang="ru-RU" sz="1400" dirty="0" smtClean="0"/>
+              <a:t>Призвать рабочих к строительству нового мира </a:t>
+            </a:r>
+            <a:r>
+              <a:rPr lang="ru-RU" sz="1400" dirty="0"/>
+              <a:t>(После ГВ) </a:t>
+            </a:r>
+            <a:r>
+              <a:rPr lang="ru-RU" sz="300" dirty="0"/>
+              <a:t>(Тем не менее </a:t>
+            </a:r>
+            <a:r>
+              <a:rPr lang="ru-RU" sz="300" dirty="0" err="1"/>
+              <a:t>Дуррути</a:t>
+            </a:r>
+            <a:r>
+              <a:rPr lang="ru-RU" sz="300" dirty="0"/>
+              <a:t> сохранял </a:t>
+            </a:r>
+            <a:r>
+              <a:rPr lang="ru-RU" sz="300" dirty="0" err="1"/>
+              <a:t>свойидеализм</a:t>
+            </a:r>
+            <a:r>
+              <a:rPr lang="ru-RU" sz="300" dirty="0"/>
+              <a:t>. «Я не жду никакой помощи ни от одного правительства в мире», – сказал он в </a:t>
+            </a:r>
+            <a:r>
+              <a:rPr lang="ru-RU" sz="300" dirty="0" smtClean="0"/>
+              <a:t>конце сентября </a:t>
+            </a:r>
+            <a:r>
+              <a:rPr lang="ru-RU" sz="300" dirty="0"/>
+              <a:t>канадскому журналисту. Тот ответил: «Если вы победите, то вам придется сидеть </a:t>
+            </a:r>
+            <a:r>
+              <a:rPr lang="ru-RU" sz="300" dirty="0" err="1"/>
+              <a:t>нагруде</a:t>
+            </a:r>
+            <a:r>
+              <a:rPr lang="ru-RU" sz="300" dirty="0"/>
+              <a:t> развалин». – «Мы всегда жили в трущобах и развалинах, – парировал </a:t>
+            </a:r>
+            <a:r>
+              <a:rPr lang="ru-RU" sz="300" dirty="0" err="1"/>
+              <a:t>Дуррути</a:t>
+            </a:r>
+            <a:r>
+              <a:rPr lang="ru-RU" sz="300" dirty="0"/>
+              <a:t>, – и </a:t>
+            </a:r>
+            <a:r>
+              <a:rPr lang="ru-RU" sz="300" dirty="0" smtClean="0"/>
+              <a:t>мы, </a:t>
+            </a:r>
+            <a:r>
+              <a:rPr lang="ru-RU" sz="300" dirty="0"/>
+              <a:t>как приспособиться к этому времени… Мы будем и строить. Это мы возвели </a:t>
+            </a:r>
+            <a:r>
+              <a:rPr lang="ru-RU" sz="300" dirty="0" smtClean="0"/>
+              <a:t>дворцы в </a:t>
+            </a:r>
+            <a:r>
+              <a:rPr lang="ru-RU" sz="300" dirty="0"/>
+              <a:t>Испании, Америке и повсюду. Мы, рабочие, построим города, которые займут их место. </a:t>
+            </a:r>
+            <a:r>
+              <a:rPr lang="ru-RU" sz="300" dirty="0" smtClean="0"/>
+              <a:t>Они будут </a:t>
+            </a:r>
+            <a:r>
+              <a:rPr lang="ru-RU" sz="300" dirty="0"/>
+              <a:t>еще лучше – по крайней мере, мы не боимся развалин. Мы собираемся унаследовать </a:t>
+            </a:r>
+            <a:r>
+              <a:rPr lang="ru-RU" sz="300" dirty="0" smtClean="0"/>
+              <a:t>всю землю</a:t>
+            </a:r>
+            <a:r>
+              <a:rPr lang="ru-RU" sz="300" dirty="0"/>
+              <a:t>. Буржуазия, прежде чем сойти со сцены истории, может взорвать и разрушить свой мир</a:t>
+            </a:r>
+            <a:r>
+              <a:rPr lang="ru-RU" sz="300" dirty="0" smtClean="0"/>
+              <a:t>. Но </a:t>
+            </a:r>
+            <a:r>
+              <a:rPr lang="ru-RU" sz="300" dirty="0"/>
+              <a:t>мы несем новый мир в своих сердцах</a:t>
+            </a:r>
+            <a:r>
+              <a:rPr lang="ru-RU" sz="300" dirty="0" smtClean="0"/>
+              <a:t>»)</a:t>
+            </a:r>
+            <a:endParaRPr lang="ru-RU" sz="100" dirty="0" smtClean="0"/>
           </a:p>
         </p:txBody>
       </p:sp>

--- a/Наработки/диздоки/Испания/Каталония.pptx
+++ b/Наработки/диздоки/Испания/Каталония.pptx
@@ -209,7 +209,7 @@
             <a:fld id="{33E3D7F9-E251-484C-A6FF-FA958879DF69}" type="datetimeFigureOut">
               <a:rPr lang="ru-RU" smtClean="0"/>
               <a:pPr/>
-              <a:t>17.09.2021</a:t>
+              <a:t>26.09.2021</a:t>
             </a:fld>
             <a:endParaRPr lang="ru-RU"/>
           </a:p>
@@ -700,7 +700,7 @@
             <a:fld id="{85A5DE44-605B-4D3B-B2B7-94543DF81A36}" type="datetimeFigureOut">
               <a:rPr lang="ru-RU" smtClean="0"/>
               <a:pPr/>
-              <a:t>17.09.2021</a:t>
+              <a:t>26.09.2021</a:t>
             </a:fld>
             <a:endParaRPr lang="ru-RU"/>
           </a:p>
@@ -872,7 +872,7 @@
             <a:fld id="{85A5DE44-605B-4D3B-B2B7-94543DF81A36}" type="datetimeFigureOut">
               <a:rPr lang="ru-RU" smtClean="0"/>
               <a:pPr/>
-              <a:t>17.09.2021</a:t>
+              <a:t>26.09.2021</a:t>
             </a:fld>
             <a:endParaRPr lang="ru-RU"/>
           </a:p>
@@ -1054,7 +1054,7 @@
             <a:fld id="{85A5DE44-605B-4D3B-B2B7-94543DF81A36}" type="datetimeFigureOut">
               <a:rPr lang="ru-RU" smtClean="0"/>
               <a:pPr/>
-              <a:t>17.09.2021</a:t>
+              <a:t>26.09.2021</a:t>
             </a:fld>
             <a:endParaRPr lang="ru-RU"/>
           </a:p>
@@ -1226,7 +1226,7 @@
             <a:fld id="{85A5DE44-605B-4D3B-B2B7-94543DF81A36}" type="datetimeFigureOut">
               <a:rPr lang="ru-RU" smtClean="0"/>
               <a:pPr/>
-              <a:t>17.09.2021</a:t>
+              <a:t>26.09.2021</a:t>
             </a:fld>
             <a:endParaRPr lang="ru-RU"/>
           </a:p>
@@ -1474,7 +1474,7 @@
             <a:fld id="{85A5DE44-605B-4D3B-B2B7-94543DF81A36}" type="datetimeFigureOut">
               <a:rPr lang="ru-RU" smtClean="0"/>
               <a:pPr/>
-              <a:t>17.09.2021</a:t>
+              <a:t>26.09.2021</a:t>
             </a:fld>
             <a:endParaRPr lang="ru-RU"/>
           </a:p>
@@ -1708,7 +1708,7 @@
             <a:fld id="{85A5DE44-605B-4D3B-B2B7-94543DF81A36}" type="datetimeFigureOut">
               <a:rPr lang="ru-RU" smtClean="0"/>
               <a:pPr/>
-              <a:t>17.09.2021</a:t>
+              <a:t>26.09.2021</a:t>
             </a:fld>
             <a:endParaRPr lang="ru-RU"/>
           </a:p>
@@ -2077,7 +2077,7 @@
             <a:fld id="{85A5DE44-605B-4D3B-B2B7-94543DF81A36}" type="datetimeFigureOut">
               <a:rPr lang="ru-RU" smtClean="0"/>
               <a:pPr/>
-              <a:t>17.09.2021</a:t>
+              <a:t>26.09.2021</a:t>
             </a:fld>
             <a:endParaRPr lang="ru-RU"/>
           </a:p>
@@ -2197,7 +2197,7 @@
             <a:fld id="{85A5DE44-605B-4D3B-B2B7-94543DF81A36}" type="datetimeFigureOut">
               <a:rPr lang="ru-RU" smtClean="0"/>
               <a:pPr/>
-              <a:t>17.09.2021</a:t>
+              <a:t>26.09.2021</a:t>
             </a:fld>
             <a:endParaRPr lang="ru-RU"/>
           </a:p>
@@ -2294,7 +2294,7 @@
             <a:fld id="{85A5DE44-605B-4D3B-B2B7-94543DF81A36}" type="datetimeFigureOut">
               <a:rPr lang="ru-RU" smtClean="0"/>
               <a:pPr/>
-              <a:t>17.09.2021</a:t>
+              <a:t>26.09.2021</a:t>
             </a:fld>
             <a:endParaRPr lang="ru-RU"/>
           </a:p>
@@ -2573,7 +2573,7 @@
             <a:fld id="{85A5DE44-605B-4D3B-B2B7-94543DF81A36}" type="datetimeFigureOut">
               <a:rPr lang="ru-RU" smtClean="0"/>
               <a:pPr/>
-              <a:t>17.09.2021</a:t>
+              <a:t>26.09.2021</a:t>
             </a:fld>
             <a:endParaRPr lang="ru-RU"/>
           </a:p>
@@ -2832,7 +2832,7 @@
             <a:fld id="{85A5DE44-605B-4D3B-B2B7-94543DF81A36}" type="datetimeFigureOut">
               <a:rPr lang="ru-RU" smtClean="0"/>
               <a:pPr/>
-              <a:t>17.09.2021</a:t>
+              <a:t>26.09.2021</a:t>
             </a:fld>
             <a:endParaRPr lang="ru-RU"/>
           </a:p>
@@ -3047,7 +3047,7 @@
             <a:fld id="{85A5DE44-605B-4D3B-B2B7-94543DF81A36}" type="datetimeFigureOut">
               <a:rPr lang="ru-RU" smtClean="0"/>
               <a:pPr/>
-              <a:t>17.09.2021</a:t>
+              <a:t>26.09.2021</a:t>
             </a:fld>
             <a:endParaRPr lang="ru-RU"/>
           </a:p>
@@ -4005,7 +4005,7 @@
         </p:nvSpPr>
         <p:spPr>
           <a:xfrm>
-            <a:off x="6865243" y="10534360"/>
+            <a:off x="6865242" y="12041496"/>
             <a:ext cx="2115918" cy="1080000"/>
           </a:xfrm>
           <a:prstGeom prst="rect">
@@ -5433,7 +5433,7 @@
         </p:nvSpPr>
         <p:spPr>
           <a:xfrm>
-            <a:off x="4373680" y="9027224"/>
+            <a:off x="4373680" y="13576532"/>
             <a:ext cx="2115918" cy="1080000"/>
           </a:xfrm>
           <a:prstGeom prst="rect">
@@ -5488,7 +5488,7 @@
         </p:nvSpPr>
         <p:spPr>
           <a:xfrm>
-            <a:off x="6865242" y="12041496"/>
+            <a:off x="6865242" y="10518043"/>
             <a:ext cx="2115918" cy="1080000"/>
           </a:xfrm>
           <a:prstGeom prst="rect">
@@ -5543,7 +5543,7 @@
         </p:nvSpPr>
         <p:spPr>
           <a:xfrm>
-            <a:off x="6865242" y="13527234"/>
+            <a:off x="6865242" y="15111568"/>
             <a:ext cx="2115918" cy="1080000"/>
           </a:xfrm>
           <a:prstGeom prst="rect">
@@ -5667,6 +5667,532 @@
               <a:t>»)</a:t>
             </a:r>
             <a:endParaRPr lang="ru-RU" sz="100" dirty="0" smtClean="0"/>
+          </a:p>
+        </p:txBody>
+      </p:sp>
+      <p:sp>
+        <p:nvSpPr>
+          <p:cNvPr id="35" name="Прямоугольник 34"/>
+          <p:cNvSpPr/>
+          <p:nvPr/>
+        </p:nvSpPr>
+        <p:spPr>
+          <a:xfrm>
+            <a:off x="3142075" y="12041496"/>
+            <a:ext cx="2115918" cy="1080000"/>
+          </a:xfrm>
+          <a:prstGeom prst="rect">
+            <a:avLst/>
+          </a:prstGeom>
+          <a:ln w="28575"/>
+        </p:spPr>
+        <p:style>
+          <a:lnRef idx="2">
+            <a:schemeClr val="accent1"/>
+          </a:lnRef>
+          <a:fillRef idx="1">
+            <a:schemeClr val="lt1"/>
+          </a:fillRef>
+          <a:effectRef idx="0">
+            <a:schemeClr val="accent1"/>
+          </a:effectRef>
+          <a:fontRef idx="minor">
+            <a:schemeClr val="dk1"/>
+          </a:fontRef>
+        </p:style>
+        <p:txBody>
+          <a:bodyPr lIns="124733" tIns="62367" rIns="124733" bIns="62367" rtlCol="0" anchor="ctr"/>
+          <a:lstStyle/>
+          <a:p>
+            <a:pPr algn="ctr"/>
+            <a:r>
+              <a:rPr lang="ru-RU" sz="1400" dirty="0" smtClean="0"/>
+              <a:t>Роспуск революционных комитетов </a:t>
+            </a:r>
+            <a:r>
+              <a:rPr lang="ru-RU" sz="700" dirty="0" smtClean="0"/>
+              <a:t>(</a:t>
+            </a:r>
+            <a:r>
+              <a:rPr lang="ru-RU" sz="800" dirty="0"/>
+              <a:t>PSUC агитировала за роспуск революционных комитетов, чтобы вся исполнительная власть, и фактическая и номинальная, принадлежала </a:t>
+            </a:r>
+            <a:r>
+              <a:rPr lang="ru-RU" sz="800" dirty="0" err="1"/>
+              <a:t>Женералитату</a:t>
+            </a:r>
+            <a:r>
+              <a:rPr lang="ru-RU" sz="800" dirty="0"/>
+              <a:t>, в котором они доминировали вместе с «</a:t>
+            </a:r>
+            <a:r>
+              <a:rPr lang="ru-RU" sz="800" dirty="0" err="1"/>
+              <a:t>Эскеррой</a:t>
+            </a:r>
+            <a:r>
+              <a:rPr lang="ru-RU" sz="800" dirty="0"/>
+              <a:t>»</a:t>
+            </a:r>
+            <a:r>
+              <a:rPr lang="ru-RU" sz="700" dirty="0" smtClean="0"/>
+              <a:t>.)</a:t>
+            </a:r>
+            <a:endParaRPr lang="ru-RU" sz="100" dirty="0" smtClean="0"/>
+          </a:p>
+        </p:txBody>
+      </p:sp>
+      <p:sp>
+        <p:nvSpPr>
+          <p:cNvPr id="36" name="Прямоугольник 35"/>
+          <p:cNvSpPr/>
+          <p:nvPr/>
+        </p:nvSpPr>
+        <p:spPr>
+          <a:xfrm>
+            <a:off x="1596588" y="630034"/>
+            <a:ext cx="2115918" cy="1080000"/>
+          </a:xfrm>
+          <a:prstGeom prst="rect">
+            <a:avLst/>
+          </a:prstGeom>
+          <a:ln w="28575"/>
+        </p:spPr>
+        <p:style>
+          <a:lnRef idx="2">
+            <a:schemeClr val="accent1"/>
+          </a:lnRef>
+          <a:fillRef idx="1">
+            <a:schemeClr val="lt1"/>
+          </a:fillRef>
+          <a:effectRef idx="0">
+            <a:schemeClr val="accent1"/>
+          </a:effectRef>
+          <a:fontRef idx="minor">
+            <a:schemeClr val="dk1"/>
+          </a:fontRef>
+        </p:style>
+        <p:txBody>
+          <a:bodyPr lIns="124733" tIns="62367" rIns="124733" bIns="62367" rtlCol="0" anchor="ctr"/>
+          <a:lstStyle/>
+          <a:p>
+            <a:pPr algn="ctr"/>
+            <a:r>
+              <a:rPr lang="ru-RU" sz="500" dirty="0"/>
+              <a:t>С начала января соперничество между анархистами и PSUC приобрело особенно острый характер, когда последние вознамерились поставить на пост министра продовольствия давнего </a:t>
+            </a:r>
+            <a:r>
+              <a:rPr lang="ru-RU" sz="500" dirty="0" err="1"/>
+              <a:t>антианархиста</a:t>
+            </a:r>
+            <a:r>
+              <a:rPr lang="ru-RU" sz="500" dirty="0"/>
+              <a:t>, своего генерального секретаря </a:t>
+            </a:r>
+            <a:r>
+              <a:rPr lang="ru-RU" sz="500" dirty="0" err="1"/>
+              <a:t>Комореру</a:t>
+            </a:r>
+            <a:r>
+              <a:rPr lang="ru-RU" sz="500" dirty="0"/>
+              <a:t>. Тот немедленно разогнал «хлебные комитеты», возглавляемые CNT, которые контролировали поставки продовольствия в Барселону. Государство не вмешивалось в вопросы обеспечения Каталонии. Было отменено даже нормирование продовольствия. Это немедленно вызвало осложнения, ибо цена на хлеб росла быстрее, чем зарплата. Затем хлеба стало не хватать. В предыдущем году не удалось снять весь урожай, но анархисты приписали нехватку хлеба неумелому руководству </a:t>
+            </a:r>
+            <a:r>
+              <a:rPr lang="ru-RU" sz="500" dirty="0" err="1"/>
+              <a:t>Комореры</a:t>
+            </a:r>
+            <a:r>
+              <a:rPr lang="ru-RU" sz="500" dirty="0"/>
+              <a:t>. Началась война лозунгов. Плакаты CNT призывали к смещению </a:t>
+            </a:r>
+            <a:r>
+              <a:rPr lang="ru-RU" sz="500" dirty="0" err="1"/>
+              <a:t>Комореры</a:t>
+            </a:r>
+            <a:r>
+              <a:rPr lang="ru-RU" sz="500" dirty="0"/>
+              <a:t>, а призывы PSUC гласили: «Меньше болтовни! Меньше комитетов! Больше хлеба!» и «Вся власть </a:t>
+            </a:r>
+            <a:r>
+              <a:rPr lang="ru-RU" sz="500" dirty="0" err="1"/>
+              <a:t>Женералитату</a:t>
+            </a:r>
+            <a:r>
+              <a:rPr lang="ru-RU" sz="500" dirty="0"/>
+              <a:t>!». Между тем стали привычным и горестным зрелищем хлебные очереди по 300–400 человек у закрытых пекарен. Порой, когда хлеб так и не доставляли, милиции приходилось прикладами разгонять очереди. Жизнь не имела ничего общего с мечтами о прекрасной утопии июля 1936 года.</a:t>
+            </a:r>
+            <a:endParaRPr lang="ru-RU" sz="300" dirty="0" smtClean="0"/>
+          </a:p>
+        </p:txBody>
+      </p:sp>
+      <p:sp>
+        <p:nvSpPr>
+          <p:cNvPr id="37" name="Прямоугольник 36"/>
+          <p:cNvSpPr/>
+          <p:nvPr/>
+        </p:nvSpPr>
+        <p:spPr>
+          <a:xfrm>
+            <a:off x="9356806" y="10534360"/>
+            <a:ext cx="2115918" cy="1080000"/>
+          </a:xfrm>
+          <a:prstGeom prst="rect">
+            <a:avLst/>
+          </a:prstGeom>
+          <a:ln w="28575"/>
+        </p:spPr>
+        <p:style>
+          <a:lnRef idx="2">
+            <a:schemeClr val="accent1"/>
+          </a:lnRef>
+          <a:fillRef idx="1">
+            <a:schemeClr val="lt1"/>
+          </a:fillRef>
+          <a:effectRef idx="0">
+            <a:schemeClr val="accent1"/>
+          </a:effectRef>
+          <a:fontRef idx="minor">
+            <a:schemeClr val="dk1"/>
+          </a:fontRef>
+        </p:style>
+        <p:txBody>
+          <a:bodyPr lIns="124733" tIns="62367" rIns="124733" bIns="62367" rtlCol="0" anchor="ctr"/>
+          <a:lstStyle/>
+          <a:p>
+            <a:pPr algn="ctr"/>
+            <a:r>
+              <a:rPr lang="ru-RU" sz="1400" dirty="0" smtClean="0"/>
+              <a:t>Пригласить Троцкого </a:t>
+            </a:r>
+            <a:r>
+              <a:rPr lang="ru-RU" sz="500" dirty="0" smtClean="0"/>
+              <a:t>(</a:t>
+            </a:r>
+            <a:r>
+              <a:rPr lang="ru-RU" sz="800" dirty="0"/>
+              <a:t>Они предложили пригласить в Каталонию Троцкого и нападали на инсценированные процессы над </a:t>
+            </a:r>
+            <a:r>
+              <a:rPr lang="ru-RU" sz="800" dirty="0" err="1"/>
+              <a:t>Радеком</a:t>
+            </a:r>
+            <a:r>
+              <a:rPr lang="ru-RU" sz="800" dirty="0"/>
+              <a:t>, Пятаковым и </a:t>
+            </a:r>
+            <a:r>
+              <a:rPr lang="ru-RU" sz="800" dirty="0" smtClean="0"/>
+              <a:t>другими</a:t>
+            </a:r>
+            <a:r>
+              <a:rPr lang="ru-RU" sz="500" dirty="0" smtClean="0"/>
+              <a:t>)</a:t>
+            </a:r>
+            <a:endParaRPr lang="ru-RU" sz="100" dirty="0" smtClean="0"/>
+          </a:p>
+        </p:txBody>
+      </p:sp>
+      <p:sp>
+        <p:nvSpPr>
+          <p:cNvPr id="38" name="Прямоугольник 37"/>
+          <p:cNvSpPr/>
+          <p:nvPr/>
+        </p:nvSpPr>
+        <p:spPr>
+          <a:xfrm>
+            <a:off x="4373680" y="9021099"/>
+            <a:ext cx="2115918" cy="1080000"/>
+          </a:xfrm>
+          <a:prstGeom prst="rect">
+            <a:avLst/>
+          </a:prstGeom>
+          <a:ln w="28575"/>
+        </p:spPr>
+        <p:style>
+          <a:lnRef idx="2">
+            <a:schemeClr val="accent1"/>
+          </a:lnRef>
+          <a:fillRef idx="1">
+            <a:schemeClr val="lt1"/>
+          </a:fillRef>
+          <a:effectRef idx="0">
+            <a:schemeClr val="accent1"/>
+          </a:effectRef>
+          <a:fontRef idx="minor">
+            <a:schemeClr val="dk1"/>
+          </a:fontRef>
+        </p:style>
+        <p:txBody>
+          <a:bodyPr lIns="124733" tIns="62367" rIns="124733" bIns="62367" rtlCol="0" anchor="ctr"/>
+          <a:lstStyle/>
+          <a:p>
+            <a:pPr algn="ctr"/>
+            <a:r>
+              <a:rPr lang="ru-RU" sz="1400" dirty="0" smtClean="0"/>
+              <a:t>Роспуск </a:t>
+            </a:r>
+            <a:r>
+              <a:rPr lang="ru-RU" sz="1400" dirty="0"/>
+              <a:t>патрульных комитетов </a:t>
+            </a:r>
+            <a:r>
+              <a:rPr lang="ru-RU" sz="400" dirty="0"/>
+              <a:t>(</a:t>
+            </a:r>
+            <a:r>
+              <a:rPr lang="ru-RU" sz="400" dirty="0" err="1"/>
+              <a:t>Тараделлас</a:t>
+            </a:r>
+            <a:r>
+              <a:rPr lang="ru-RU" sz="400" dirty="0"/>
+              <a:t>, помощник </a:t>
+            </a:r>
+            <a:r>
+              <a:rPr lang="ru-RU" sz="400" dirty="0" err="1"/>
+              <a:t>Компаньса</a:t>
+            </a:r>
+            <a:r>
+              <a:rPr lang="ru-RU" sz="400" dirty="0"/>
+              <a:t>, хотел </a:t>
+            </a:r>
+            <a:r>
+              <a:rPr lang="ru-RU" sz="400" dirty="0" err="1"/>
+              <a:t>объединитьвсю</a:t>
+            </a:r>
+            <a:r>
+              <a:rPr lang="ru-RU" sz="400" dirty="0"/>
+              <a:t> каталонскую полицию в одной организации, распустив так называемые патрульные комитеты, в которых были представлены все политические группировки. С самых первых </a:t>
+            </a:r>
+            <a:r>
+              <a:rPr lang="ru-RU" sz="400" dirty="0" err="1"/>
+              <a:t>днейвойны</a:t>
+            </a:r>
+            <a:r>
+              <a:rPr lang="ru-RU" sz="400" dirty="0"/>
+              <a:t> CNT было свойственно стремление выжить. В этом плане, как и во многих других, </a:t>
+            </a:r>
+            <a:r>
+              <a:rPr lang="ru-RU" sz="400" dirty="0" err="1"/>
+              <a:t>целикоммунистов</a:t>
+            </a:r>
+            <a:r>
+              <a:rPr lang="ru-RU" sz="400" dirty="0"/>
+              <a:t> и тех республиканцев и каталонцев, для которых главным был ход войны, совпадали. Когда 27 марта </a:t>
+            </a:r>
+            <a:r>
+              <a:rPr lang="ru-RU" sz="400" dirty="0" err="1"/>
+              <a:t>Таррадельяс</a:t>
+            </a:r>
+            <a:r>
+              <a:rPr lang="ru-RU" sz="400" dirty="0"/>
+              <a:t> торжественно запретил полиции иметь какие-то политические пристрастия, анархисты вышли из </a:t>
+            </a:r>
+            <a:r>
+              <a:rPr lang="ru-RU" sz="400" dirty="0" err="1"/>
+              <a:t>Женералитата</a:t>
+            </a:r>
+            <a:r>
+              <a:rPr lang="ru-RU" sz="400" dirty="0"/>
+              <a:t>. Последовавший </a:t>
+            </a:r>
+            <a:r>
+              <a:rPr lang="ru-RU" sz="400" dirty="0" err="1"/>
+              <a:t>правительственныйкризис</a:t>
+            </a:r>
+            <a:r>
+              <a:rPr lang="ru-RU" sz="400" dirty="0"/>
+              <a:t> длился так долго, что </a:t>
+            </a:r>
+            <a:r>
+              <a:rPr lang="ru-RU" sz="400" dirty="0" err="1"/>
+              <a:t>Пласа</a:t>
+            </a:r>
+            <a:r>
+              <a:rPr lang="ru-RU" sz="400" dirty="0"/>
+              <a:t>-де-</a:t>
+            </a:r>
+            <a:r>
+              <a:rPr lang="ru-RU" sz="400" dirty="0" err="1"/>
+              <a:t>Каталунья</a:t>
+            </a:r>
+            <a:r>
+              <a:rPr lang="ru-RU" sz="400" dirty="0"/>
+              <a:t> стала называться площадью «</a:t>
+            </a:r>
+            <a:r>
+              <a:rPr lang="ru-RU" sz="400" dirty="0" err="1"/>
+              <a:t>постоянногокризиса</a:t>
+            </a:r>
+            <a:r>
+              <a:rPr lang="ru-RU" sz="400" dirty="0" smtClean="0"/>
+              <a:t>».)</a:t>
+            </a:r>
+            <a:endParaRPr lang="ru-RU" sz="100" dirty="0" smtClean="0"/>
+          </a:p>
+        </p:txBody>
+      </p:sp>
+      <p:sp>
+        <p:nvSpPr>
+          <p:cNvPr id="39" name="Прямоугольник 38"/>
+          <p:cNvSpPr/>
+          <p:nvPr/>
+        </p:nvSpPr>
+        <p:spPr>
+          <a:xfrm>
+            <a:off x="4373680" y="10505793"/>
+            <a:ext cx="2115918" cy="1080000"/>
+          </a:xfrm>
+          <a:prstGeom prst="rect">
+            <a:avLst/>
+          </a:prstGeom>
+          <a:ln w="28575"/>
+        </p:spPr>
+        <p:style>
+          <a:lnRef idx="2">
+            <a:schemeClr val="accent1"/>
+          </a:lnRef>
+          <a:fillRef idx="1">
+            <a:schemeClr val="lt1"/>
+          </a:fillRef>
+          <a:effectRef idx="0">
+            <a:schemeClr val="accent1"/>
+          </a:effectRef>
+          <a:fontRef idx="minor">
+            <a:schemeClr val="dk1"/>
+          </a:fontRef>
+        </p:style>
+        <p:txBody>
+          <a:bodyPr lIns="124733" tIns="62367" rIns="124733" bIns="62367" rtlCol="0" anchor="ctr"/>
+          <a:lstStyle/>
+          <a:p>
+            <a:pPr algn="ctr"/>
+            <a:r>
+              <a:rPr lang="ru-RU" sz="1400" dirty="0" smtClean="0"/>
+              <a:t>Сформировать </a:t>
+            </a:r>
+            <a:r>
+              <a:rPr lang="ru-RU" sz="1400" dirty="0"/>
+              <a:t>новое правительство </a:t>
+            </a:r>
+            <a:r>
+              <a:rPr lang="ru-RU" sz="400" dirty="0"/>
+              <a:t>(Наконец 16 апреля </a:t>
+            </a:r>
+            <a:r>
+              <a:rPr lang="ru-RU" sz="400" dirty="0" err="1"/>
+              <a:t>Компаньс</a:t>
+            </a:r>
+            <a:r>
+              <a:rPr lang="ru-RU" sz="400" dirty="0"/>
+              <a:t>, предприняв одно из своих редких решительных </a:t>
+            </a:r>
+            <a:r>
+              <a:rPr lang="ru-RU" sz="400" dirty="0" err="1"/>
+              <a:t>действий,своей</a:t>
+            </a:r>
+            <a:r>
+              <a:rPr lang="ru-RU" sz="400" dirty="0"/>
+              <a:t> волей сформировал новое правительство с </a:t>
+            </a:r>
+            <a:r>
+              <a:rPr lang="ru-RU" sz="400" dirty="0" err="1"/>
+              <a:t>Таррадельясом</a:t>
+            </a:r>
+            <a:r>
+              <a:rPr lang="ru-RU" sz="400" dirty="0"/>
+              <a:t> во главе, всего из пяти членов– по одному от «</a:t>
+            </a:r>
+            <a:r>
+              <a:rPr lang="ru-RU" sz="400" dirty="0" err="1"/>
+              <a:t>Эскерры</a:t>
+            </a:r>
+            <a:r>
+              <a:rPr lang="ru-RU" sz="400" dirty="0"/>
+              <a:t>», CNT, UGT и Партии виноделов. Но напряжение в Барселоне </a:t>
+            </a:r>
+            <a:r>
+              <a:rPr lang="ru-RU" sz="400" dirty="0" err="1"/>
+              <a:t>неспало</a:t>
+            </a:r>
+            <a:r>
+              <a:rPr lang="ru-RU" sz="400" dirty="0"/>
+              <a:t>. Во время кризиса министры-анархисты правительства в Валенсии усиленно </a:t>
+            </a:r>
+            <a:r>
+              <a:rPr lang="ru-RU" sz="400" dirty="0" err="1"/>
+              <a:t>старалисьсдержать</a:t>
+            </a:r>
+            <a:r>
+              <a:rPr lang="ru-RU" sz="400" dirty="0"/>
+              <a:t> </a:t>
+            </a:r>
+            <a:r>
+              <a:rPr lang="ru-RU" sz="400" dirty="0" err="1"/>
+              <a:t>барселонских</a:t>
+            </a:r>
+            <a:r>
+              <a:rPr lang="ru-RU" sz="400" dirty="0"/>
+              <a:t> товарищей, но в результате своих стараний лидеры анархистов потеряли авторитет среди своих экстремистских сторонников</a:t>
+            </a:r>
+            <a:r>
+              <a:rPr lang="ru-RU" sz="400" dirty="0" smtClean="0"/>
+              <a:t>.)</a:t>
+            </a:r>
+            <a:endParaRPr lang="ru-RU" sz="100" dirty="0" smtClean="0"/>
+          </a:p>
+        </p:txBody>
+      </p:sp>
+      <p:sp>
+        <p:nvSpPr>
+          <p:cNvPr id="40" name="Прямоугольник 39"/>
+          <p:cNvSpPr/>
+          <p:nvPr/>
+        </p:nvSpPr>
+        <p:spPr>
+          <a:xfrm>
+            <a:off x="6865242" y="13576532"/>
+            <a:ext cx="2115918" cy="1080000"/>
+          </a:xfrm>
+          <a:prstGeom prst="rect">
+            <a:avLst/>
+          </a:prstGeom>
+          <a:ln w="28575"/>
+        </p:spPr>
+        <p:style>
+          <a:lnRef idx="2">
+            <a:schemeClr val="accent1"/>
+          </a:lnRef>
+          <a:fillRef idx="1">
+            <a:schemeClr val="lt1"/>
+          </a:fillRef>
+          <a:effectRef idx="0">
+            <a:schemeClr val="accent1"/>
+          </a:effectRef>
+          <a:fontRef idx="minor">
+            <a:schemeClr val="dk1"/>
+          </a:fontRef>
+        </p:style>
+        <p:txBody>
+          <a:bodyPr lIns="124733" tIns="62367" rIns="124733" bIns="62367" rtlCol="0" anchor="ctr"/>
+          <a:lstStyle/>
+          <a:p>
+            <a:pPr algn="ctr"/>
+            <a:r>
+              <a:rPr lang="ru-RU" sz="1400" dirty="0" smtClean="0"/>
+              <a:t>Переворот в </a:t>
+            </a:r>
+            <a:r>
+              <a:rPr lang="ru-RU" sz="1400" dirty="0" err="1" smtClean="0"/>
+              <a:t>Валении</a:t>
+            </a:r>
+            <a:r>
+              <a:rPr lang="ru-RU" sz="1400" dirty="0" smtClean="0"/>
+              <a:t> </a:t>
+            </a:r>
+            <a:r>
+              <a:rPr lang="ru-RU" sz="1100" dirty="0" smtClean="0"/>
+              <a:t>Глава 52)</a:t>
+            </a:r>
+            <a:endParaRPr lang="ru-RU" sz="1100" dirty="0" smtClean="0"/>
           </a:p>
         </p:txBody>
       </p:sp>

--- a/Наработки/диздоки/Испания/Каталония.pptx
+++ b/Наработки/диздоки/Испания/Каталония.pptx
@@ -209,7 +209,7 @@
             <a:fld id="{33E3D7F9-E251-484C-A6FF-FA958879DF69}" type="datetimeFigureOut">
               <a:rPr lang="ru-RU" smtClean="0"/>
               <a:pPr/>
-              <a:t>26.09.2021</a:t>
+              <a:t>28.10.2021</a:t>
             </a:fld>
             <a:endParaRPr lang="ru-RU"/>
           </a:p>
@@ -700,7 +700,7 @@
             <a:fld id="{85A5DE44-605B-4D3B-B2B7-94543DF81A36}" type="datetimeFigureOut">
               <a:rPr lang="ru-RU" smtClean="0"/>
               <a:pPr/>
-              <a:t>26.09.2021</a:t>
+              <a:t>28.10.2021</a:t>
             </a:fld>
             <a:endParaRPr lang="ru-RU"/>
           </a:p>
@@ -872,7 +872,7 @@
             <a:fld id="{85A5DE44-605B-4D3B-B2B7-94543DF81A36}" type="datetimeFigureOut">
               <a:rPr lang="ru-RU" smtClean="0"/>
               <a:pPr/>
-              <a:t>26.09.2021</a:t>
+              <a:t>28.10.2021</a:t>
             </a:fld>
             <a:endParaRPr lang="ru-RU"/>
           </a:p>
@@ -1054,7 +1054,7 @@
             <a:fld id="{85A5DE44-605B-4D3B-B2B7-94543DF81A36}" type="datetimeFigureOut">
               <a:rPr lang="ru-RU" smtClean="0"/>
               <a:pPr/>
-              <a:t>26.09.2021</a:t>
+              <a:t>28.10.2021</a:t>
             </a:fld>
             <a:endParaRPr lang="ru-RU"/>
           </a:p>
@@ -1226,7 +1226,7 @@
             <a:fld id="{85A5DE44-605B-4D3B-B2B7-94543DF81A36}" type="datetimeFigureOut">
               <a:rPr lang="ru-RU" smtClean="0"/>
               <a:pPr/>
-              <a:t>26.09.2021</a:t>
+              <a:t>28.10.2021</a:t>
             </a:fld>
             <a:endParaRPr lang="ru-RU"/>
           </a:p>
@@ -1474,7 +1474,7 @@
             <a:fld id="{85A5DE44-605B-4D3B-B2B7-94543DF81A36}" type="datetimeFigureOut">
               <a:rPr lang="ru-RU" smtClean="0"/>
               <a:pPr/>
-              <a:t>26.09.2021</a:t>
+              <a:t>28.10.2021</a:t>
             </a:fld>
             <a:endParaRPr lang="ru-RU"/>
           </a:p>
@@ -1708,7 +1708,7 @@
             <a:fld id="{85A5DE44-605B-4D3B-B2B7-94543DF81A36}" type="datetimeFigureOut">
               <a:rPr lang="ru-RU" smtClean="0"/>
               <a:pPr/>
-              <a:t>26.09.2021</a:t>
+              <a:t>28.10.2021</a:t>
             </a:fld>
             <a:endParaRPr lang="ru-RU"/>
           </a:p>
@@ -2077,7 +2077,7 @@
             <a:fld id="{85A5DE44-605B-4D3B-B2B7-94543DF81A36}" type="datetimeFigureOut">
               <a:rPr lang="ru-RU" smtClean="0"/>
               <a:pPr/>
-              <a:t>26.09.2021</a:t>
+              <a:t>28.10.2021</a:t>
             </a:fld>
             <a:endParaRPr lang="ru-RU"/>
           </a:p>
@@ -2197,7 +2197,7 @@
             <a:fld id="{85A5DE44-605B-4D3B-B2B7-94543DF81A36}" type="datetimeFigureOut">
               <a:rPr lang="ru-RU" smtClean="0"/>
               <a:pPr/>
-              <a:t>26.09.2021</a:t>
+              <a:t>28.10.2021</a:t>
             </a:fld>
             <a:endParaRPr lang="ru-RU"/>
           </a:p>
@@ -2294,7 +2294,7 @@
             <a:fld id="{85A5DE44-605B-4D3B-B2B7-94543DF81A36}" type="datetimeFigureOut">
               <a:rPr lang="ru-RU" smtClean="0"/>
               <a:pPr/>
-              <a:t>26.09.2021</a:t>
+              <a:t>28.10.2021</a:t>
             </a:fld>
             <a:endParaRPr lang="ru-RU"/>
           </a:p>
@@ -2573,7 +2573,7 @@
             <a:fld id="{85A5DE44-605B-4D3B-B2B7-94543DF81A36}" type="datetimeFigureOut">
               <a:rPr lang="ru-RU" smtClean="0"/>
               <a:pPr/>
-              <a:t>26.09.2021</a:t>
+              <a:t>28.10.2021</a:t>
             </a:fld>
             <a:endParaRPr lang="ru-RU"/>
           </a:p>
@@ -2832,7 +2832,7 @@
             <a:fld id="{85A5DE44-605B-4D3B-B2B7-94543DF81A36}" type="datetimeFigureOut">
               <a:rPr lang="ru-RU" smtClean="0"/>
               <a:pPr/>
-              <a:t>26.09.2021</a:t>
+              <a:t>28.10.2021</a:t>
             </a:fld>
             <a:endParaRPr lang="ru-RU"/>
           </a:p>
@@ -3047,7 +3047,7 @@
             <a:fld id="{85A5DE44-605B-4D3B-B2B7-94543DF81A36}" type="datetimeFigureOut">
               <a:rPr lang="ru-RU" smtClean="0"/>
               <a:pPr/>
-              <a:t>26.09.2021</a:t>
+              <a:t>28.10.2021</a:t>
             </a:fld>
             <a:endParaRPr lang="ru-RU"/>
           </a:p>
@@ -3461,7 +3461,7 @@
         </p:nvSpPr>
         <p:spPr>
           <a:xfrm>
-            <a:off x="4373680" y="2733602"/>
+            <a:off x="20881148" y="4395906"/>
             <a:ext cx="2115918" cy="1080000"/>
           </a:xfrm>
           <a:prstGeom prst="rect">
@@ -3526,7 +3526,7 @@
         </p:nvCxnSpPr>
         <p:spPr>
           <a:xfrm>
-            <a:off x="12128398" y="3273602"/>
+            <a:off x="25697105" y="4935906"/>
             <a:ext cx="460705" cy="0"/>
           </a:xfrm>
           <a:prstGeom prst="line">
@@ -3561,7 +3561,7 @@
         </p:nvSpPr>
         <p:spPr>
           <a:xfrm>
-            <a:off x="4373680" y="4240738"/>
+            <a:off x="15803671" y="4240738"/>
             <a:ext cx="2115918" cy="1080000"/>
           </a:xfrm>
           <a:prstGeom prst="rect">
@@ -3620,7 +3620,7 @@
         </p:nvSpPr>
         <p:spPr>
           <a:xfrm>
-            <a:off x="6865243" y="4240738"/>
+            <a:off x="23519287" y="6033303"/>
             <a:ext cx="2115918" cy="1080000"/>
           </a:xfrm>
           <a:prstGeom prst="rect">
@@ -3707,12 +3707,18 @@
         </p:nvSpPr>
         <p:spPr>
           <a:xfrm>
-            <a:off x="6865243" y="9027224"/>
+            <a:off x="18229492" y="8788171"/>
             <a:ext cx="2115918" cy="1080000"/>
           </a:xfrm>
           <a:prstGeom prst="rect">
             <a:avLst/>
           </a:prstGeom>
+          <a:solidFill>
+            <a:schemeClr val="tx1">
+              <a:lumMod val="95000"/>
+              <a:lumOff val="5000"/>
+            </a:schemeClr>
+          </a:solidFill>
           <a:ln w="28575"/>
         </p:spPr>
         <p:style>
@@ -3735,22 +3741,42 @@
           <a:p>
             <a:pPr algn="ctr"/>
             <a:r>
-              <a:rPr lang="ru-RU" sz="1400" dirty="0" smtClean="0"/>
+              <a:rPr lang="ru-RU" sz="1400" dirty="0" smtClean="0">
+                <a:solidFill>
+                  <a:schemeClr val="bg1"/>
+                </a:solidFill>
+              </a:rPr>
               <a:t>Анархистская пропаганда </a:t>
             </a:r>
             <a:r>
-              <a:rPr lang="ru-RU" sz="600" dirty="0"/>
+              <a:rPr lang="ru-RU" sz="600" dirty="0">
+                <a:solidFill>
+                  <a:schemeClr val="bg1"/>
+                </a:solidFill>
+              </a:rPr>
               <a:t>(Сам анархистский профсоюз уже обладал немалой властью: своей радиостанцией, восемью ежедневными </a:t>
             </a:r>
             <a:r>
-              <a:rPr lang="ru-RU" sz="600" dirty="0" err="1"/>
+              <a:rPr lang="ru-RU" sz="600" dirty="0" err="1">
+                <a:solidFill>
+                  <a:schemeClr val="bg1"/>
+                </a:solidFill>
+              </a:rPr>
               <a:t>газетами,массой</a:t>
             </a:r>
             <a:r>
-              <a:rPr lang="ru-RU" sz="600" dirty="0"/>
+              <a:rPr lang="ru-RU" sz="600" dirty="0">
+                <a:solidFill>
+                  <a:schemeClr val="bg1"/>
+                </a:solidFill>
+              </a:rPr>
               <a:t> еженедельников)</a:t>
             </a:r>
-            <a:endParaRPr lang="ru-RU" sz="600" dirty="0" smtClean="0"/>
+            <a:endParaRPr lang="ru-RU" sz="600" dirty="0" smtClean="0">
+              <a:solidFill>
+                <a:schemeClr val="bg1"/>
+              </a:solidFill>
+            </a:endParaRPr>
           </a:p>
         </p:txBody>
       </p:sp>
@@ -3762,7 +3788,7 @@
         </p:nvSpPr>
         <p:spPr>
           <a:xfrm>
-            <a:off x="1910470" y="5747874"/>
+            <a:off x="13340461" y="5747874"/>
             <a:ext cx="2115918" cy="1080000"/>
           </a:xfrm>
           <a:prstGeom prst="rect">
@@ -3823,7 +3849,7 @@
         </p:nvCxnSpPr>
         <p:spPr>
           <a:xfrm rot="5400000">
-            <a:off x="3986466" y="4302701"/>
+            <a:off x="15416457" y="4302701"/>
             <a:ext cx="427136" cy="2463210"/>
           </a:xfrm>
           <a:prstGeom prst="bentConnector3">
@@ -4005,12 +4031,18 @@
         </p:nvSpPr>
         <p:spPr>
           <a:xfrm>
-            <a:off x="6865242" y="12041496"/>
+            <a:off x="18229492" y="11846660"/>
             <a:ext cx="2115918" cy="1080000"/>
           </a:xfrm>
           <a:prstGeom prst="rect">
             <a:avLst/>
           </a:prstGeom>
+          <a:solidFill>
+            <a:schemeClr val="tx1">
+              <a:lumMod val="95000"/>
+              <a:lumOff val="5000"/>
+            </a:schemeClr>
+          </a:solidFill>
           <a:ln w="28575"/>
         </p:spPr>
         <p:style>
@@ -4033,30 +4065,58 @@
           <a:p>
             <a:pPr algn="ctr"/>
             <a:r>
-              <a:rPr lang="ru-RU" sz="1400" dirty="0" smtClean="0"/>
+              <a:rPr lang="ru-RU" sz="1400" dirty="0" smtClean="0">
+                <a:solidFill>
+                  <a:schemeClr val="bg1"/>
+                </a:solidFill>
+              </a:rPr>
               <a:t>Распространить влияние на Арагон </a:t>
             </a:r>
             <a:r>
-              <a:rPr lang="ru-RU" sz="600" dirty="0"/>
+              <a:rPr lang="ru-RU" sz="600" dirty="0">
+                <a:solidFill>
+                  <a:schemeClr val="bg1"/>
+                </a:solidFill>
+              </a:rPr>
               <a:t>(</a:t>
             </a:r>
             <a:r>
-              <a:rPr lang="ru-RU" sz="600" dirty="0" err="1"/>
+              <a:rPr lang="ru-RU" sz="600" dirty="0" err="1">
+                <a:solidFill>
+                  <a:schemeClr val="bg1"/>
+                </a:solidFill>
+              </a:rPr>
               <a:t>Барселонская</a:t>
             </a:r>
             <a:r>
-              <a:rPr lang="ru-RU" sz="600" dirty="0"/>
+              <a:rPr lang="ru-RU" sz="600" dirty="0">
+                <a:solidFill>
+                  <a:schemeClr val="bg1"/>
+                </a:solidFill>
+              </a:rPr>
               <a:t> милиция с анархистами во главе распространила свое влияние по всему Арагону, </a:t>
             </a:r>
             <a:r>
-              <a:rPr lang="ru-RU" sz="600" dirty="0" err="1"/>
+              <a:rPr lang="ru-RU" sz="600" dirty="0" err="1">
+                <a:solidFill>
+                  <a:schemeClr val="bg1"/>
+                </a:solidFill>
+              </a:rPr>
               <a:t>чтогарантировало</a:t>
             </a:r>
             <a:r>
-              <a:rPr lang="ru-RU" sz="600" dirty="0"/>
+              <a:rPr lang="ru-RU" sz="600" dirty="0">
+                <a:solidFill>
+                  <a:schemeClr val="bg1"/>
+                </a:solidFill>
+              </a:rPr>
               <a:t> республиканцев от противостояния центрального правительства.)</a:t>
             </a:r>
-            <a:endParaRPr lang="ru-RU" sz="600" dirty="0" smtClean="0"/>
+            <a:endParaRPr lang="ru-RU" sz="600" dirty="0" smtClean="0">
+              <a:solidFill>
+                <a:schemeClr val="bg1"/>
+              </a:solidFill>
+            </a:endParaRPr>
           </a:p>
         </p:txBody>
       </p:sp>
@@ -4068,7 +4128,7 @@
         </p:nvSpPr>
         <p:spPr>
           <a:xfrm>
-            <a:off x="10012480" y="2733602"/>
+            <a:off x="23581187" y="4395906"/>
             <a:ext cx="2115918" cy="1080000"/>
           </a:xfrm>
           <a:prstGeom prst="rect">
@@ -4104,12 +4164,12 @@
               <a:t>(9 августа </a:t>
             </a:r>
             <a:r>
-              <a:rPr lang="ru-RU" sz="600" dirty="0" err="1"/>
-              <a:t>вОлимпийском</a:t>
+              <a:rPr lang="ru-RU" sz="600" dirty="0" smtClean="0"/>
+              <a:t>в Олимпийском </a:t>
             </a:r>
             <a:r>
               <a:rPr lang="ru-RU" sz="600" dirty="0"/>
-              <a:t> театре в Барселоне состоялся массовый митинг анархистов, протестующий против распоряжения Мадрида о призыве в армию части резервистов, где им придется служить подкомандой офицеров. «Мы не может быть солдатами в форме! Мы хотим оставаться </a:t>
+              <a:t>театре в Барселоне состоялся массовый митинг анархистов, протестующий против распоряжения Мадрида о призыве в армию части резервистов, где им придется служить подкомандой офицеров. «Мы не может быть солдатами в форме! Мы хотим оставаться </a:t>
             </a:r>
             <a:r>
               <a:rPr lang="ru-RU" sz="600" dirty="0" err="1"/>
@@ -4147,7 +4207,7 @@
         </p:nvSpPr>
         <p:spPr>
           <a:xfrm>
-            <a:off x="12589103" y="2733602"/>
+            <a:off x="26157810" y="4395906"/>
             <a:ext cx="2115918" cy="1080000"/>
           </a:xfrm>
           <a:prstGeom prst="rect">
@@ -4218,7 +4278,7 @@
         </p:nvSpPr>
         <p:spPr>
           <a:xfrm>
-            <a:off x="4373680" y="7536405"/>
+            <a:off x="15803671" y="2705035"/>
             <a:ext cx="2115918" cy="1080000"/>
           </a:xfrm>
           <a:prstGeom prst="rect">
@@ -4253,10 +4313,6 @@
               <a:rPr lang="ru-RU" sz="1400" dirty="0" err="1" smtClean="0"/>
               <a:t>Женералитета</a:t>
             </a:r>
-            <a:r>
-              <a:rPr lang="ru-RU" sz="1400" dirty="0" smtClean="0"/>
-              <a:t> (интегрировать ПОУМ, социалистов и Анархистов (исторично)</a:t>
-            </a:r>
             <a:endParaRPr lang="ru-RU" sz="600" dirty="0" smtClean="0"/>
           </a:p>
         </p:txBody>
@@ -4269,12 +4325,18 @@
         </p:nvSpPr>
         <p:spPr>
           <a:xfrm>
-            <a:off x="6865243" y="7536405"/>
+            <a:off x="18229492" y="7264718"/>
             <a:ext cx="2115918" cy="1080000"/>
           </a:xfrm>
           <a:prstGeom prst="rect">
             <a:avLst/>
           </a:prstGeom>
+          <a:solidFill>
+            <a:schemeClr val="tx1">
+              <a:lumMod val="95000"/>
+              <a:lumOff val="5000"/>
+            </a:schemeClr>
+          </a:solidFill>
           <a:ln w="28575"/>
         </p:spPr>
         <p:style>
@@ -4297,10 +4359,18 @@
           <a:p>
             <a:pPr algn="ctr"/>
             <a:r>
-              <a:rPr lang="en-US" sz="1400" dirty="0" smtClean="0"/>
+              <a:rPr lang="en-US" sz="1400" dirty="0" smtClean="0">
+                <a:solidFill>
+                  <a:schemeClr val="bg1"/>
+                </a:solidFill>
+              </a:rPr>
               <a:t>CNT</a:t>
             </a:r>
-            <a:endParaRPr lang="ru-RU" sz="600" dirty="0" smtClean="0"/>
+            <a:endParaRPr lang="ru-RU" sz="600" dirty="0" smtClean="0">
+              <a:solidFill>
+                <a:schemeClr val="bg1"/>
+              </a:solidFill>
+            </a:endParaRPr>
           </a:p>
         </p:txBody>
       </p:sp>
@@ -4312,12 +4382,15 @@
         </p:nvSpPr>
         <p:spPr>
           <a:xfrm>
-            <a:off x="1910470" y="7536405"/>
+            <a:off x="13340461" y="7265302"/>
             <a:ext cx="2115918" cy="1080000"/>
           </a:xfrm>
           <a:prstGeom prst="rect">
             <a:avLst/>
           </a:prstGeom>
+          <a:solidFill>
+            <a:srgbClr val="FF0000"/>
+          </a:solidFill>
           <a:ln w="28575"/>
         </p:spPr>
         <p:style>
@@ -4410,12 +4483,15 @@
         </p:nvSpPr>
         <p:spPr>
           <a:xfrm>
-            <a:off x="1910470" y="9027224"/>
+            <a:off x="13340461" y="8781562"/>
             <a:ext cx="2115918" cy="1080000"/>
           </a:xfrm>
           <a:prstGeom prst="rect">
             <a:avLst/>
           </a:prstGeom>
+          <a:solidFill>
+            <a:srgbClr val="FF0000"/>
+          </a:solidFill>
           <a:ln w="28575"/>
         </p:spPr>
         <p:style>
@@ -4517,12 +4593,15 @@
         </p:nvSpPr>
         <p:spPr>
           <a:xfrm>
-            <a:off x="1910470" y="10534360"/>
+            <a:off x="13340461" y="10295227"/>
             <a:ext cx="2115918" cy="1080000"/>
           </a:xfrm>
           <a:prstGeom prst="rect">
             <a:avLst/>
           </a:prstGeom>
+          <a:solidFill>
+            <a:srgbClr val="FF0000"/>
+          </a:solidFill>
           <a:ln w="28575"/>
         </p:spPr>
         <p:style>
@@ -4580,7 +4659,7 @@
         </p:nvSpPr>
         <p:spPr>
           <a:xfrm>
-            <a:off x="4373680" y="5752728"/>
+            <a:off x="15803671" y="5752728"/>
             <a:ext cx="2115918" cy="1080000"/>
           </a:xfrm>
           <a:prstGeom prst="rect">
@@ -4709,12 +4788,15 @@
         </p:nvSpPr>
         <p:spPr>
           <a:xfrm>
-            <a:off x="9356806" y="7536405"/>
+            <a:off x="20786797" y="7263286"/>
             <a:ext cx="2115918" cy="1080000"/>
           </a:xfrm>
           <a:prstGeom prst="rect">
             <a:avLst/>
           </a:prstGeom>
+          <a:solidFill>
+            <a:srgbClr val="FFC000"/>
+          </a:solidFill>
           <a:ln w="28575"/>
         </p:spPr>
         <p:style>
@@ -4792,12 +4874,15 @@
         </p:nvSpPr>
         <p:spPr>
           <a:xfrm>
-            <a:off x="9356806" y="9027224"/>
+            <a:off x="20786797" y="8788171"/>
             <a:ext cx="2115918" cy="1080000"/>
           </a:xfrm>
           <a:prstGeom prst="rect">
             <a:avLst/>
           </a:prstGeom>
+          <a:solidFill>
+            <a:srgbClr val="FFC000"/>
+          </a:solidFill>
           <a:ln w="28575"/>
         </p:spPr>
         <p:style>
@@ -4863,82 +4948,6 @@
           </a:p>
         </p:txBody>
       </p:sp>
-      <p:cxnSp>
-        <p:nvCxnSpPr>
-          <p:cNvPr id="242" name="Прямая соединительная линия 241"/>
-          <p:cNvCxnSpPr>
-            <a:stCxn id="228" idx="3"/>
-            <a:endCxn id="223" idx="1"/>
-          </p:cNvCxnSpPr>
-          <p:nvPr/>
-        </p:nvCxnSpPr>
-        <p:spPr>
-          <a:xfrm>
-            <a:off x="4026388" y="8076405"/>
-            <a:ext cx="347292" cy="0"/>
-          </a:xfrm>
-          <a:prstGeom prst="line">
-            <a:avLst/>
-          </a:prstGeom>
-          <a:ln w="28575">
-            <a:solidFill>
-              <a:srgbClr val="FF0000"/>
-            </a:solidFill>
-          </a:ln>
-        </p:spPr>
-        <p:style>
-          <a:lnRef idx="1">
-            <a:schemeClr val="accent1"/>
-          </a:lnRef>
-          <a:fillRef idx="0">
-            <a:schemeClr val="accent1"/>
-          </a:fillRef>
-          <a:effectRef idx="0">
-            <a:schemeClr val="accent1"/>
-          </a:effectRef>
-          <a:fontRef idx="minor">
-            <a:schemeClr val="tx1"/>
-          </a:fontRef>
-        </p:style>
-      </p:cxnSp>
-      <p:cxnSp>
-        <p:nvCxnSpPr>
-          <p:cNvPr id="244" name="Прямая соединительная линия 243"/>
-          <p:cNvCxnSpPr>
-            <a:stCxn id="223" idx="3"/>
-            <a:endCxn id="227" idx="1"/>
-          </p:cNvCxnSpPr>
-          <p:nvPr/>
-        </p:nvCxnSpPr>
-        <p:spPr>
-          <a:xfrm>
-            <a:off x="6489598" y="8076405"/>
-            <a:ext cx="375645" cy="0"/>
-          </a:xfrm>
-          <a:prstGeom prst="line">
-            <a:avLst/>
-          </a:prstGeom>
-          <a:ln w="28575">
-            <a:solidFill>
-              <a:srgbClr val="FF0000"/>
-            </a:solidFill>
-          </a:ln>
-        </p:spPr>
-        <p:style>
-          <a:lnRef idx="1">
-            <a:schemeClr val="accent1"/>
-          </a:lnRef>
-          <a:fillRef idx="0">
-            <a:schemeClr val="accent1"/>
-          </a:fillRef>
-          <a:effectRef idx="0">
-            <a:schemeClr val="accent1"/>
-          </a:effectRef>
-          <a:fontRef idx="minor">
-            <a:schemeClr val="tx1"/>
-          </a:fontRef>
-        </p:style>
-      </p:cxnSp>
       <p:cxnSp>
         <p:nvCxnSpPr>
           <p:cNvPr id="247" name="Прямая соединительная линия 246"/>
@@ -4949,9 +4958,9 @@
           <p:nvPr/>
         </p:nvCxnSpPr>
         <p:spPr>
-          <a:xfrm>
-            <a:off x="8981161" y="8076405"/>
-            <a:ext cx="375645" cy="0"/>
+          <a:xfrm flipV="1">
+            <a:off x="20345410" y="7803286"/>
+            <a:ext cx="441387" cy="1432"/>
           </a:xfrm>
           <a:prstGeom prst="line">
             <a:avLst/>
@@ -4985,7 +4994,7 @@
         </p:nvSpPr>
         <p:spPr>
           <a:xfrm>
-            <a:off x="9356806" y="4240738"/>
+            <a:off x="26010850" y="6033303"/>
             <a:ext cx="2115918" cy="1080000"/>
           </a:xfrm>
           <a:prstGeom prst="rect">
@@ -5048,7 +5057,7 @@
         </p:nvSpPr>
         <p:spPr>
           <a:xfrm>
-            <a:off x="8111024" y="5747874"/>
+            <a:off x="24765068" y="7540439"/>
             <a:ext cx="2115918" cy="1080000"/>
           </a:xfrm>
           <a:prstGeom prst="rect">
@@ -5174,7 +5183,7 @@
         </p:nvCxnSpPr>
         <p:spPr>
           <a:xfrm rot="5400000">
-            <a:off x="9578306" y="4911415"/>
+            <a:off x="26232350" y="6703980"/>
             <a:ext cx="427136" cy="1245782"/>
           </a:xfrm>
           <a:prstGeom prst="bentConnector3">
@@ -5212,7 +5221,7 @@
         </p:nvCxnSpPr>
         <p:spPr>
           <a:xfrm rot="16200000" flipH="1">
-            <a:off x="8332524" y="4911415"/>
+            <a:off x="24986568" y="6703980"/>
             <a:ext cx="427136" cy="1245781"/>
           </a:xfrm>
           <a:prstGeom prst="bentConnector3">
@@ -5433,12 +5442,18 @@
         </p:nvSpPr>
         <p:spPr>
           <a:xfrm>
-            <a:off x="4373680" y="13576532"/>
+            <a:off x="15803671" y="13576532"/>
             <a:ext cx="2115918" cy="1080000"/>
           </a:xfrm>
           <a:prstGeom prst="rect">
             <a:avLst/>
           </a:prstGeom>
+          <a:solidFill>
+            <a:schemeClr val="accent1">
+              <a:lumMod val="60000"/>
+              <a:lumOff val="40000"/>
+            </a:schemeClr>
+          </a:solidFill>
           <a:ln w="28575"/>
         </p:spPr>
         <p:style>
@@ -5488,12 +5503,18 @@
         </p:nvSpPr>
         <p:spPr>
           <a:xfrm>
-            <a:off x="6865242" y="10518043"/>
+            <a:off x="18229492" y="10295227"/>
             <a:ext cx="2115918" cy="1080000"/>
           </a:xfrm>
           <a:prstGeom prst="rect">
             <a:avLst/>
           </a:prstGeom>
+          <a:solidFill>
+            <a:schemeClr val="tx1">
+              <a:lumMod val="95000"/>
+              <a:lumOff val="5000"/>
+            </a:schemeClr>
+          </a:solidFill>
           <a:ln w="28575"/>
         </p:spPr>
         <p:style>
@@ -5516,22 +5537,42 @@
           <a:p>
             <a:pPr algn="ctr"/>
             <a:r>
-              <a:rPr lang="ru-RU" sz="1400" dirty="0" smtClean="0"/>
+              <a:rPr lang="ru-RU" sz="1400" dirty="0" smtClean="0">
+                <a:solidFill>
+                  <a:schemeClr val="bg1"/>
+                </a:solidFill>
+              </a:rPr>
               <a:t>Региональный совет </a:t>
             </a:r>
             <a:r>
-              <a:rPr lang="ru-RU" sz="1400" dirty="0"/>
+              <a:rPr lang="ru-RU" sz="1400" dirty="0">
+                <a:solidFill>
+                  <a:schemeClr val="bg1"/>
+                </a:solidFill>
+              </a:rPr>
               <a:t>обороны Каталонии </a:t>
             </a:r>
             <a:r>
-              <a:rPr lang="ru-RU" sz="600" dirty="0"/>
+              <a:rPr lang="ru-RU" sz="600" dirty="0">
+                <a:solidFill>
+                  <a:schemeClr val="bg1"/>
+                </a:solidFill>
+              </a:rPr>
               <a:t>(Анархисты же назвали правительство Каталонии Региональным советом обороны, чтобы у их уже обеспокоенных экстремистских последователей не создалось впечатление, будто они вошли в настоящее правительство</a:t>
             </a:r>
             <a:r>
-              <a:rPr lang="ru-RU" sz="600" dirty="0" smtClean="0"/>
+              <a:rPr lang="ru-RU" sz="600" dirty="0" smtClean="0">
+                <a:solidFill>
+                  <a:schemeClr val="bg1"/>
+                </a:solidFill>
+              </a:rPr>
               <a:t>.)</a:t>
             </a:r>
-            <a:endParaRPr lang="ru-RU" sz="100" dirty="0" smtClean="0"/>
+            <a:endParaRPr lang="ru-RU" sz="100" dirty="0" smtClean="0">
+              <a:solidFill>
+                <a:schemeClr val="bg1"/>
+              </a:solidFill>
+            </a:endParaRPr>
           </a:p>
         </p:txBody>
       </p:sp>
@@ -5543,12 +5584,18 @@
         </p:nvSpPr>
         <p:spPr>
           <a:xfrm>
-            <a:off x="6865242" y="15111568"/>
+            <a:off x="18295233" y="15111568"/>
             <a:ext cx="2115918" cy="1080000"/>
           </a:xfrm>
           <a:prstGeom prst="rect">
             <a:avLst/>
           </a:prstGeom>
+          <a:solidFill>
+            <a:schemeClr val="tx1">
+              <a:lumMod val="95000"/>
+              <a:lumOff val="5000"/>
+            </a:schemeClr>
+          </a:solidFill>
           <a:ln w="28575"/>
         </p:spPr>
         <p:style>
@@ -5571,102 +5618,202 @@
           <a:p>
             <a:pPr algn="ctr"/>
             <a:r>
-              <a:rPr lang="ru-RU" sz="1400" dirty="0" smtClean="0"/>
+              <a:rPr lang="ru-RU" sz="1400" dirty="0" smtClean="0">
+                <a:solidFill>
+                  <a:schemeClr val="bg1"/>
+                </a:solidFill>
+              </a:rPr>
               <a:t>Призвать рабочих к строительству нового мира </a:t>
             </a:r>
             <a:r>
-              <a:rPr lang="ru-RU" sz="1400" dirty="0"/>
+              <a:rPr lang="ru-RU" sz="1400" dirty="0">
+                <a:solidFill>
+                  <a:schemeClr val="bg1"/>
+                </a:solidFill>
+              </a:rPr>
               <a:t>(После ГВ) </a:t>
             </a:r>
             <a:r>
-              <a:rPr lang="ru-RU" sz="300" dirty="0"/>
+              <a:rPr lang="ru-RU" sz="300" dirty="0">
+                <a:solidFill>
+                  <a:schemeClr val="bg1"/>
+                </a:solidFill>
+              </a:rPr>
               <a:t>(Тем не менее </a:t>
             </a:r>
             <a:r>
-              <a:rPr lang="ru-RU" sz="300" dirty="0" err="1"/>
+              <a:rPr lang="ru-RU" sz="300" dirty="0" err="1">
+                <a:solidFill>
+                  <a:schemeClr val="bg1"/>
+                </a:solidFill>
+              </a:rPr>
               <a:t>Дуррути</a:t>
             </a:r>
             <a:r>
-              <a:rPr lang="ru-RU" sz="300" dirty="0"/>
+              <a:rPr lang="ru-RU" sz="300" dirty="0">
+                <a:solidFill>
+                  <a:schemeClr val="bg1"/>
+                </a:solidFill>
+              </a:rPr>
               <a:t> сохранял </a:t>
             </a:r>
             <a:r>
-              <a:rPr lang="ru-RU" sz="300" dirty="0" err="1"/>
+              <a:rPr lang="ru-RU" sz="300" dirty="0" err="1">
+                <a:solidFill>
+                  <a:schemeClr val="bg1"/>
+                </a:solidFill>
+              </a:rPr>
               <a:t>свойидеализм</a:t>
             </a:r>
             <a:r>
-              <a:rPr lang="ru-RU" sz="300" dirty="0"/>
+              <a:rPr lang="ru-RU" sz="300" dirty="0">
+                <a:solidFill>
+                  <a:schemeClr val="bg1"/>
+                </a:solidFill>
+              </a:rPr>
               <a:t>. «Я не жду никакой помощи ни от одного правительства в мире», – сказал он в </a:t>
             </a:r>
             <a:r>
-              <a:rPr lang="ru-RU" sz="300" dirty="0" smtClean="0"/>
+              <a:rPr lang="ru-RU" sz="300" dirty="0" smtClean="0">
+                <a:solidFill>
+                  <a:schemeClr val="bg1"/>
+                </a:solidFill>
+              </a:rPr>
               <a:t>конце сентября </a:t>
             </a:r>
             <a:r>
-              <a:rPr lang="ru-RU" sz="300" dirty="0"/>
+              <a:rPr lang="ru-RU" sz="300" dirty="0">
+                <a:solidFill>
+                  <a:schemeClr val="bg1"/>
+                </a:solidFill>
+              </a:rPr>
               <a:t>канадскому журналисту. Тот ответил: «Если вы победите, то вам придется сидеть </a:t>
             </a:r>
             <a:r>
-              <a:rPr lang="ru-RU" sz="300" dirty="0" err="1"/>
+              <a:rPr lang="ru-RU" sz="300" dirty="0" err="1">
+                <a:solidFill>
+                  <a:schemeClr val="bg1"/>
+                </a:solidFill>
+              </a:rPr>
               <a:t>нагруде</a:t>
             </a:r>
             <a:r>
-              <a:rPr lang="ru-RU" sz="300" dirty="0"/>
+              <a:rPr lang="ru-RU" sz="300" dirty="0">
+                <a:solidFill>
+                  <a:schemeClr val="bg1"/>
+                </a:solidFill>
+              </a:rPr>
               <a:t> развалин». – «Мы всегда жили в трущобах и развалинах, – парировал </a:t>
             </a:r>
             <a:r>
-              <a:rPr lang="ru-RU" sz="300" dirty="0" err="1"/>
+              <a:rPr lang="ru-RU" sz="300" dirty="0" err="1">
+                <a:solidFill>
+                  <a:schemeClr val="bg1"/>
+                </a:solidFill>
+              </a:rPr>
               <a:t>Дуррути</a:t>
             </a:r>
             <a:r>
-              <a:rPr lang="ru-RU" sz="300" dirty="0"/>
+              <a:rPr lang="ru-RU" sz="300" dirty="0">
+                <a:solidFill>
+                  <a:schemeClr val="bg1"/>
+                </a:solidFill>
+              </a:rPr>
               <a:t>, – и </a:t>
             </a:r>
             <a:r>
-              <a:rPr lang="ru-RU" sz="300" dirty="0" smtClean="0"/>
+              <a:rPr lang="ru-RU" sz="300" dirty="0" smtClean="0">
+                <a:solidFill>
+                  <a:schemeClr val="bg1"/>
+                </a:solidFill>
+              </a:rPr>
               <a:t>мы, </a:t>
             </a:r>
             <a:r>
-              <a:rPr lang="ru-RU" sz="300" dirty="0"/>
+              <a:rPr lang="ru-RU" sz="300" dirty="0">
+                <a:solidFill>
+                  <a:schemeClr val="bg1"/>
+                </a:solidFill>
+              </a:rPr>
               <a:t>как приспособиться к этому времени… Мы будем и строить. Это мы возвели </a:t>
             </a:r>
             <a:r>
-              <a:rPr lang="ru-RU" sz="300" dirty="0" smtClean="0"/>
+              <a:rPr lang="ru-RU" sz="300" dirty="0" smtClean="0">
+                <a:solidFill>
+                  <a:schemeClr val="bg1"/>
+                </a:solidFill>
+              </a:rPr>
               <a:t>дворцы в </a:t>
             </a:r>
             <a:r>
-              <a:rPr lang="ru-RU" sz="300" dirty="0"/>
+              <a:rPr lang="ru-RU" sz="300" dirty="0">
+                <a:solidFill>
+                  <a:schemeClr val="bg1"/>
+                </a:solidFill>
+              </a:rPr>
               <a:t>Испании, Америке и повсюду. Мы, рабочие, построим города, которые займут их место. </a:t>
             </a:r>
             <a:r>
-              <a:rPr lang="ru-RU" sz="300" dirty="0" smtClean="0"/>
+              <a:rPr lang="ru-RU" sz="300" dirty="0" smtClean="0">
+                <a:solidFill>
+                  <a:schemeClr val="bg1"/>
+                </a:solidFill>
+              </a:rPr>
               <a:t>Они будут </a:t>
             </a:r>
             <a:r>
-              <a:rPr lang="ru-RU" sz="300" dirty="0"/>
+              <a:rPr lang="ru-RU" sz="300" dirty="0">
+                <a:solidFill>
+                  <a:schemeClr val="bg1"/>
+                </a:solidFill>
+              </a:rPr>
               <a:t>еще лучше – по крайней мере, мы не боимся развалин. Мы собираемся унаследовать </a:t>
             </a:r>
             <a:r>
-              <a:rPr lang="ru-RU" sz="300" dirty="0" smtClean="0"/>
+              <a:rPr lang="ru-RU" sz="300" dirty="0" smtClean="0">
+                <a:solidFill>
+                  <a:schemeClr val="bg1"/>
+                </a:solidFill>
+              </a:rPr>
               <a:t>всю землю</a:t>
             </a:r>
             <a:r>
-              <a:rPr lang="ru-RU" sz="300" dirty="0"/>
+              <a:rPr lang="ru-RU" sz="300" dirty="0">
+                <a:solidFill>
+                  <a:schemeClr val="bg1"/>
+                </a:solidFill>
+              </a:rPr>
               <a:t>. Буржуазия, прежде чем сойти со сцены истории, может взорвать и разрушить свой мир</a:t>
             </a:r>
             <a:r>
-              <a:rPr lang="ru-RU" sz="300" dirty="0" smtClean="0"/>
+              <a:rPr lang="ru-RU" sz="300" dirty="0" smtClean="0">
+                <a:solidFill>
+                  <a:schemeClr val="bg1"/>
+                </a:solidFill>
+              </a:rPr>
               <a:t>. Но </a:t>
             </a:r>
             <a:r>
-              <a:rPr lang="ru-RU" sz="300" dirty="0"/>
+              <a:rPr lang="ru-RU" sz="300" dirty="0">
+                <a:solidFill>
+                  <a:schemeClr val="bg1"/>
+                </a:solidFill>
+              </a:rPr>
               <a:t>мы несем новый мир в своих сердцах</a:t>
             </a:r>
             <a:r>
-              <a:rPr lang="ru-RU" sz="300" dirty="0" smtClean="0"/>
+              <a:rPr lang="ru-RU" sz="300" dirty="0" smtClean="0">
+                <a:solidFill>
+                  <a:schemeClr val="bg1"/>
+                </a:solidFill>
+              </a:rPr>
               <a:t>»)</a:t>
             </a:r>
-            <a:endParaRPr lang="ru-RU" sz="100" dirty="0" smtClean="0"/>
+            <a:endParaRPr lang="ru-RU" sz="100" dirty="0" smtClean="0">
+              <a:solidFill>
+                <a:schemeClr val="bg1"/>
+              </a:solidFill>
+            </a:endParaRPr>
           </a:p>
         </p:txBody>
       </p:sp>
@@ -5678,7 +5825,7 @@
         </p:nvSpPr>
         <p:spPr>
           <a:xfrm>
-            <a:off x="3142075" y="12041496"/>
+            <a:off x="14572066" y="12041496"/>
             <a:ext cx="2115918" cy="1080000"/>
           </a:xfrm>
           <a:prstGeom prst="rect">
@@ -5832,12 +5979,15 @@
         </p:nvSpPr>
         <p:spPr>
           <a:xfrm>
-            <a:off x="9356806" y="10534360"/>
+            <a:off x="20786797" y="10291616"/>
             <a:ext cx="2115918" cy="1080000"/>
           </a:xfrm>
           <a:prstGeom prst="rect">
             <a:avLst/>
           </a:prstGeom>
+          <a:solidFill>
+            <a:srgbClr val="FFC000"/>
+          </a:solidFill>
           <a:ln w="28575"/>
         </p:spPr>
         <p:style>
@@ -5899,12 +6049,18 @@
         </p:nvSpPr>
         <p:spPr>
           <a:xfrm>
-            <a:off x="4373680" y="9021099"/>
+            <a:off x="15795720" y="7264718"/>
             <a:ext cx="2115918" cy="1080000"/>
           </a:xfrm>
           <a:prstGeom prst="rect">
             <a:avLst/>
           </a:prstGeom>
+          <a:solidFill>
+            <a:schemeClr val="accent1">
+              <a:lumMod val="60000"/>
+              <a:lumOff val="40000"/>
+            </a:schemeClr>
+          </a:solidFill>
           <a:ln w="28575"/>
         </p:spPr>
         <p:style>
@@ -6038,12 +6194,18 @@
         </p:nvSpPr>
         <p:spPr>
           <a:xfrm>
-            <a:off x="4373680" y="10505793"/>
+            <a:off x="15803671" y="8781562"/>
             <a:ext cx="2115918" cy="1080000"/>
           </a:xfrm>
           <a:prstGeom prst="rect">
             <a:avLst/>
           </a:prstGeom>
+          <a:solidFill>
+            <a:schemeClr val="accent1">
+              <a:lumMod val="60000"/>
+              <a:lumOff val="40000"/>
+            </a:schemeClr>
+          </a:solidFill>
           <a:ln w="28575"/>
         </p:spPr>
         <p:style>
@@ -6149,12 +6311,18 @@
         </p:nvSpPr>
         <p:spPr>
           <a:xfrm>
-            <a:off x="6865242" y="13576532"/>
+            <a:off x="18295233" y="13576532"/>
             <a:ext cx="2115918" cy="1080000"/>
           </a:xfrm>
           <a:prstGeom prst="rect">
             <a:avLst/>
           </a:prstGeom>
+          <a:solidFill>
+            <a:schemeClr val="tx1">
+              <a:lumMod val="95000"/>
+              <a:lumOff val="5000"/>
+            </a:schemeClr>
+          </a:solidFill>
           <a:ln w="28575"/>
         </p:spPr>
         <p:style>
@@ -6177,25 +6345,1472 @@
           <a:p>
             <a:pPr algn="ctr"/>
             <a:r>
+              <a:rPr lang="ru-RU" sz="1400" dirty="0" smtClean="0">
+                <a:solidFill>
+                  <a:schemeClr val="bg1"/>
+                </a:solidFill>
+              </a:rPr>
+              <a:t>Переворот в </a:t>
+            </a:r>
+            <a:r>
+              <a:rPr lang="ru-RU" sz="1400" dirty="0" err="1" smtClean="0">
+                <a:solidFill>
+                  <a:schemeClr val="bg1"/>
+                </a:solidFill>
+              </a:rPr>
+              <a:t>Валении</a:t>
+            </a:r>
+            <a:r>
+              <a:rPr lang="ru-RU" sz="1400" dirty="0" smtClean="0">
+                <a:solidFill>
+                  <a:schemeClr val="bg1"/>
+                </a:solidFill>
+              </a:rPr>
+              <a:t> </a:t>
+            </a:r>
+            <a:r>
+              <a:rPr lang="ru-RU" sz="1100" dirty="0" smtClean="0">
+                <a:solidFill>
+                  <a:schemeClr val="bg1"/>
+                </a:solidFill>
+              </a:rPr>
+              <a:t>Глава 52)</a:t>
+            </a:r>
+          </a:p>
+        </p:txBody>
+      </p:sp>
+      <p:sp>
+        <p:nvSpPr>
+          <p:cNvPr id="41" name="Прямоугольник 40"/>
+          <p:cNvSpPr/>
+          <p:nvPr/>
+        </p:nvSpPr>
+        <p:spPr>
+          <a:xfrm>
+            <a:off x="4561502" y="2705035"/>
+            <a:ext cx="2115918" cy="1080000"/>
+          </a:xfrm>
+          <a:prstGeom prst="rect">
+            <a:avLst/>
+          </a:prstGeom>
+          <a:solidFill>
+            <a:schemeClr val="bg1">
+              <a:lumMod val="65000"/>
+            </a:schemeClr>
+          </a:solidFill>
+          <a:ln w="28575"/>
+        </p:spPr>
+        <p:style>
+          <a:lnRef idx="2">
+            <a:schemeClr val="accent1"/>
+          </a:lnRef>
+          <a:fillRef idx="1">
+            <a:schemeClr val="lt1"/>
+          </a:fillRef>
+          <a:effectRef idx="0">
+            <a:schemeClr val="accent1"/>
+          </a:effectRef>
+          <a:fontRef idx="minor">
+            <a:schemeClr val="dk1"/>
+          </a:fontRef>
+        </p:style>
+        <p:txBody>
+          <a:bodyPr lIns="124733" tIns="62367" rIns="124733" bIns="62367" rtlCol="0" anchor="ctr"/>
+          <a:lstStyle/>
+          <a:p>
+            <a:pPr algn="ctr"/>
+            <a:r>
               <a:rPr lang="ru-RU" sz="1400" dirty="0" smtClean="0"/>
-              <a:t>Переворот в </a:t>
+              <a:t>Переворот Лиги </a:t>
             </a:r>
             <a:r>
               <a:rPr lang="ru-RU" sz="1400" dirty="0" err="1" smtClean="0"/>
-              <a:t>Валении</a:t>
+              <a:t>Регионалистов</a:t>
+            </a:r>
+            <a:endParaRPr lang="ru-RU" sz="1400" dirty="0" smtClean="0"/>
+          </a:p>
+        </p:txBody>
+      </p:sp>
+      <p:cxnSp>
+        <p:nvCxnSpPr>
+          <p:cNvPr id="42" name="Прямая соединительная линия 41"/>
+          <p:cNvCxnSpPr>
+            <a:endCxn id="223" idx="1"/>
+          </p:cNvCxnSpPr>
+          <p:nvPr/>
+        </p:nvCxnSpPr>
+        <p:spPr>
+          <a:xfrm>
+            <a:off x="6677420" y="3245035"/>
+            <a:ext cx="9126251" cy="0"/>
+          </a:xfrm>
+          <a:prstGeom prst="line">
+            <a:avLst/>
+          </a:prstGeom>
+          <a:ln w="28575">
+            <a:solidFill>
+              <a:srgbClr val="FF0000"/>
+            </a:solidFill>
+          </a:ln>
+        </p:spPr>
+        <p:style>
+          <a:lnRef idx="1">
+            <a:schemeClr val="accent1"/>
+          </a:lnRef>
+          <a:fillRef idx="0">
+            <a:schemeClr val="accent1"/>
+          </a:fillRef>
+          <a:effectRef idx="0">
+            <a:schemeClr val="accent1"/>
+          </a:effectRef>
+          <a:fontRef idx="minor">
+            <a:schemeClr val="tx1"/>
+          </a:fontRef>
+        </p:style>
+      </p:cxnSp>
+      <p:sp>
+        <p:nvSpPr>
+          <p:cNvPr id="44" name="Прямоугольник 43"/>
+          <p:cNvSpPr/>
+          <p:nvPr/>
+        </p:nvSpPr>
+        <p:spPr>
+          <a:xfrm>
+            <a:off x="4561502" y="4183605"/>
+            <a:ext cx="2115918" cy="1080000"/>
+          </a:xfrm>
+          <a:prstGeom prst="rect">
+            <a:avLst/>
+          </a:prstGeom>
+          <a:solidFill>
+            <a:schemeClr val="bg1">
+              <a:lumMod val="65000"/>
+            </a:schemeClr>
+          </a:solidFill>
+          <a:ln w="28575"/>
+        </p:spPr>
+        <p:style>
+          <a:lnRef idx="2">
+            <a:schemeClr val="accent1"/>
+          </a:lnRef>
+          <a:fillRef idx="1">
+            <a:schemeClr val="lt1"/>
+          </a:fillRef>
+          <a:effectRef idx="0">
+            <a:schemeClr val="accent1"/>
+          </a:effectRef>
+          <a:fontRef idx="minor">
+            <a:schemeClr val="dk1"/>
+          </a:fontRef>
+        </p:style>
+        <p:txBody>
+          <a:bodyPr lIns="124733" tIns="62367" rIns="124733" bIns="62367" rtlCol="0" anchor="ctr"/>
+          <a:lstStyle/>
+          <a:p>
+            <a:pPr algn="ctr"/>
+            <a:r>
+              <a:rPr lang="ru-RU" sz="1400" dirty="0" smtClean="0"/>
+              <a:t>Объявить о создании </a:t>
+            </a:r>
+            <a:r>
+              <a:rPr lang="ru-RU" sz="1400" dirty="0"/>
+              <a:t>Содружества Каталонии </a:t>
+            </a:r>
+            <a:r>
+              <a:rPr lang="ru-RU" sz="300" dirty="0"/>
+              <a:t>(</a:t>
+            </a:r>
+            <a:r>
+              <a:rPr lang="ru-RU" sz="300" dirty="0" err="1"/>
+              <a:t>Mancomunitat</a:t>
+            </a:r>
+            <a:r>
+              <a:rPr lang="ru-RU" sz="300" dirty="0"/>
+              <a:t> </a:t>
+            </a:r>
+            <a:r>
+              <a:rPr lang="ru-RU" sz="300" dirty="0" err="1"/>
+              <a:t>Каталуние</a:t>
+            </a:r>
+            <a:r>
+              <a:rPr lang="ru-RU" sz="300" dirty="0"/>
+              <a:t> (в каталонском , </a:t>
+            </a:r>
+            <a:r>
+              <a:rPr lang="ru-RU" sz="300" dirty="0" err="1"/>
+              <a:t>Mancomunitat</a:t>
+            </a:r>
+            <a:r>
+              <a:rPr lang="ru-RU" sz="300" dirty="0"/>
+              <a:t> </a:t>
+            </a:r>
+            <a:r>
+              <a:rPr lang="ru-RU" sz="300" dirty="0" err="1"/>
+              <a:t>Каталуние</a:t>
+            </a:r>
+            <a:r>
+              <a:rPr lang="ru-RU" sz="300" dirty="0"/>
+              <a:t> ) было учреждением, сгруппированное, между 1914 и 1925 , четырьмя Каталонскими советами в единой региональной </a:t>
+            </a:r>
+            <a:r>
+              <a:rPr lang="ru-RU" sz="300" dirty="0" err="1"/>
+              <a:t>организации.Председатели</a:t>
+            </a:r>
+            <a:r>
+              <a:rPr lang="ru-RU" sz="300" dirty="0"/>
+              <a:t> четырех провинциальных советов </a:t>
+            </a:r>
+            <a:r>
+              <a:rPr lang="ru-RU" sz="300" dirty="0" err="1"/>
+              <a:t>Каталонии.Содружество</a:t>
+            </a:r>
+            <a:r>
+              <a:rPr lang="ru-RU" sz="300" dirty="0"/>
+              <a:t> Каталонии, продвигаемое лидером Каталонской региональной лиги </a:t>
+            </a:r>
+            <a:r>
+              <a:rPr lang="ru-RU" sz="300" dirty="0" err="1"/>
+              <a:t>Энриком</a:t>
+            </a:r>
+            <a:r>
+              <a:rPr lang="ru-RU" sz="300" dirty="0"/>
+              <a:t> </a:t>
+            </a:r>
+            <a:r>
+              <a:rPr lang="ru-RU" sz="300" dirty="0" err="1"/>
+              <a:t>Прат</a:t>
+            </a:r>
+            <a:r>
+              <a:rPr lang="ru-RU" sz="300" dirty="0"/>
+              <a:t> де ла </a:t>
+            </a:r>
+            <a:r>
+              <a:rPr lang="ru-RU" sz="300" dirty="0" err="1"/>
+              <a:t>Риба</a:t>
+            </a:r>
+            <a:r>
+              <a:rPr lang="ru-RU" sz="300" dirty="0"/>
+              <a:t> , было создано Королевским указом правительства Испании от марта 1914 года. схема территориальная, которая, за исключением краткой скобки 1873–1874 гг. , характеризует государство со времен Конституции 1812 года »; по этой причине он вызвал отторжение не только среди испанских правых , но и среди социалистов , которые считали его инструментом на службе «каталонской буржуазии</a:t>
+            </a:r>
+            <a:r>
+              <a:rPr lang="ru-RU" sz="300" dirty="0" smtClean="0"/>
+              <a:t>».)</a:t>
+            </a:r>
+            <a:endParaRPr lang="ru-RU" sz="300" dirty="0" smtClean="0"/>
+          </a:p>
+        </p:txBody>
+      </p:sp>
+      <p:cxnSp>
+        <p:nvCxnSpPr>
+          <p:cNvPr id="47" name="Прямая соединительная линия 46"/>
+          <p:cNvCxnSpPr>
+            <a:stCxn id="228" idx="3"/>
+            <a:endCxn id="38" idx="1"/>
+          </p:cNvCxnSpPr>
+          <p:nvPr/>
+        </p:nvCxnSpPr>
+        <p:spPr>
+          <a:xfrm flipV="1">
+            <a:off x="15456379" y="7804718"/>
+            <a:ext cx="339341" cy="584"/>
+          </a:xfrm>
+          <a:prstGeom prst="line">
+            <a:avLst/>
+          </a:prstGeom>
+          <a:ln w="28575">
+            <a:solidFill>
+              <a:srgbClr val="FF0000"/>
+            </a:solidFill>
+          </a:ln>
+        </p:spPr>
+        <p:style>
+          <a:lnRef idx="1">
+            <a:schemeClr val="accent1"/>
+          </a:lnRef>
+          <a:fillRef idx="0">
+            <a:schemeClr val="accent1"/>
+          </a:fillRef>
+          <a:effectRef idx="0">
+            <a:schemeClr val="accent1"/>
+          </a:effectRef>
+          <a:fontRef idx="minor">
+            <a:schemeClr val="tx1"/>
+          </a:fontRef>
+        </p:style>
+      </p:cxnSp>
+      <p:cxnSp>
+        <p:nvCxnSpPr>
+          <p:cNvPr id="50" name="Прямая соединительная линия 49"/>
+          <p:cNvCxnSpPr>
+            <a:stCxn id="38" idx="3"/>
+            <a:endCxn id="227" idx="1"/>
+          </p:cNvCxnSpPr>
+          <p:nvPr/>
+        </p:nvCxnSpPr>
+        <p:spPr>
+          <a:xfrm>
+            <a:off x="17911638" y="7804718"/>
+            <a:ext cx="317854" cy="0"/>
+          </a:xfrm>
+          <a:prstGeom prst="line">
+            <a:avLst/>
+          </a:prstGeom>
+          <a:ln w="28575">
+            <a:solidFill>
+              <a:srgbClr val="FF0000"/>
+            </a:solidFill>
+          </a:ln>
+        </p:spPr>
+        <p:style>
+          <a:lnRef idx="1">
+            <a:schemeClr val="accent1"/>
+          </a:lnRef>
+          <a:fillRef idx="0">
+            <a:schemeClr val="accent1"/>
+          </a:fillRef>
+          <a:effectRef idx="0">
+            <a:schemeClr val="accent1"/>
+          </a:effectRef>
+          <a:fontRef idx="minor">
+            <a:schemeClr val="tx1"/>
+          </a:fontRef>
+        </p:style>
+      </p:cxnSp>
+      <p:sp>
+        <p:nvSpPr>
+          <p:cNvPr id="53" name="Прямоугольник 52"/>
+          <p:cNvSpPr/>
+          <p:nvPr/>
+        </p:nvSpPr>
+        <p:spPr>
+          <a:xfrm>
+            <a:off x="2325710" y="1968006"/>
+            <a:ext cx="2115918" cy="1080000"/>
+          </a:xfrm>
+          <a:prstGeom prst="rect">
+            <a:avLst/>
+          </a:prstGeom>
+          <a:ln w="28575"/>
+        </p:spPr>
+        <p:style>
+          <a:lnRef idx="2">
+            <a:schemeClr val="accent1"/>
+          </a:lnRef>
+          <a:fillRef idx="1">
+            <a:schemeClr val="lt1"/>
+          </a:fillRef>
+          <a:effectRef idx="0">
+            <a:schemeClr val="accent1"/>
+          </a:effectRef>
+          <a:fontRef idx="minor">
+            <a:schemeClr val="dk1"/>
+          </a:fontRef>
+        </p:style>
+        <p:txBody>
+          <a:bodyPr lIns="124733" tIns="62367" rIns="124733" bIns="62367" rtlCol="0" anchor="ctr"/>
+          <a:lstStyle/>
+          <a:p>
+            <a:pPr algn="ctr"/>
+            <a:r>
+              <a:rPr lang="ru-RU" sz="500" dirty="0"/>
+              <a:t>(Через несколько дней после того, как военное восстание 17 июля 1936 года, вызвавшее гражданскую войну и социальную революцию, было побеждено , Ла </a:t>
+            </a:r>
+            <a:r>
+              <a:rPr lang="ru-RU" sz="500" dirty="0" err="1"/>
+              <a:t>Веу</a:t>
+            </a:r>
+            <a:r>
+              <a:rPr lang="ru-RU" sz="500" dirty="0"/>
+              <a:t> был захвачен 22 июля генералитетом Каталонии, который сохранил свое название и начал публиковать его как </a:t>
+            </a:r>
+            <a:r>
+              <a:rPr lang="ru-RU" sz="500" dirty="0" err="1"/>
+              <a:t>Diari</a:t>
+            </a:r>
+            <a:r>
+              <a:rPr lang="ru-RU" sz="500" dirty="0"/>
+              <a:t>. автономии и республики . Позже, 8 сентября того же года, его контролировал Рабочий комитет, сформированный его собственными рабочими, что отражено на обложке и подзаголовке. Позже она перешла под контроль CNT , которая продолжала публиковать ее как </a:t>
+            </a:r>
+            <a:r>
+              <a:rPr lang="ru-RU" sz="500" dirty="0" err="1"/>
+              <a:t>La</a:t>
+            </a:r>
+            <a:r>
+              <a:rPr lang="ru-RU" sz="500" dirty="0"/>
+              <a:t> </a:t>
+            </a:r>
+            <a:r>
+              <a:rPr lang="ru-RU" sz="500" dirty="0" err="1"/>
+              <a:t>Veu</a:t>
+            </a:r>
+            <a:r>
+              <a:rPr lang="ru-RU" sz="500" dirty="0"/>
+              <a:t> </a:t>
+            </a:r>
+            <a:r>
+              <a:rPr lang="ru-RU" sz="500" dirty="0" err="1"/>
+              <a:t>de</a:t>
+            </a:r>
+            <a:r>
+              <a:rPr lang="ru-RU" sz="500" dirty="0"/>
+              <a:t> </a:t>
+            </a:r>
+            <a:r>
+              <a:rPr lang="ru-RU" sz="500" dirty="0" err="1"/>
+              <a:t>Catalunya</a:t>
+            </a:r>
+            <a:r>
+              <a:rPr lang="ru-RU" sz="500" dirty="0"/>
+              <a:t> . [ 10 ]Газета перестала выходить 8 января 1937 года с последним номером 12 651. [ 11 ]После окончания войны диктатура Франко захватила старые объекты </a:t>
+            </a:r>
+            <a:r>
+              <a:rPr lang="ru-RU" sz="500" dirty="0" err="1"/>
+              <a:t>Veu</a:t>
+            </a:r>
+            <a:r>
+              <a:rPr lang="ru-RU" sz="500" dirty="0"/>
+              <a:t> </a:t>
+            </a:r>
+            <a:r>
+              <a:rPr lang="ru-RU" sz="500" dirty="0" err="1"/>
+              <a:t>de</a:t>
+            </a:r>
+            <a:r>
+              <a:rPr lang="ru-RU" sz="500" dirty="0"/>
+              <a:t> </a:t>
+            </a:r>
+            <a:r>
+              <a:rPr lang="ru-RU" sz="500" dirty="0" err="1"/>
+              <a:t>Catalunya</a:t>
+            </a:r>
+            <a:r>
+              <a:rPr lang="ru-RU" sz="500" dirty="0"/>
+              <a:t> </a:t>
+            </a:r>
+            <a:r>
+              <a:rPr lang="ru-RU" sz="500" dirty="0" smtClean="0"/>
+              <a:t>.</a:t>
+            </a:r>
+            <a:endParaRPr lang="ru-RU" sz="500" dirty="0" smtClean="0"/>
+          </a:p>
+        </p:txBody>
+      </p:sp>
+      <p:sp>
+        <p:nvSpPr>
+          <p:cNvPr id="54" name="Прямоугольник 53"/>
+          <p:cNvSpPr/>
+          <p:nvPr/>
+        </p:nvSpPr>
+        <p:spPr>
+          <a:xfrm>
+            <a:off x="7138125" y="4183605"/>
+            <a:ext cx="2115918" cy="1080000"/>
+          </a:xfrm>
+          <a:prstGeom prst="rect">
+            <a:avLst/>
+          </a:prstGeom>
+          <a:solidFill>
+            <a:schemeClr val="bg1">
+              <a:lumMod val="65000"/>
+            </a:schemeClr>
+          </a:solidFill>
+          <a:ln w="28575"/>
+        </p:spPr>
+        <p:style>
+          <a:lnRef idx="2">
+            <a:schemeClr val="accent1"/>
+          </a:lnRef>
+          <a:fillRef idx="1">
+            <a:schemeClr val="lt1"/>
+          </a:fillRef>
+          <a:effectRef idx="0">
+            <a:schemeClr val="accent1"/>
+          </a:effectRef>
+          <a:fontRef idx="minor">
+            <a:schemeClr val="dk1"/>
+          </a:fontRef>
+        </p:style>
+        <p:txBody>
+          <a:bodyPr lIns="124733" tIns="62367" rIns="124733" bIns="62367" rtlCol="0" anchor="ctr"/>
+          <a:lstStyle/>
+          <a:p>
+            <a:pPr algn="ctr"/>
+            <a:r>
+              <a:rPr lang="ru-RU" sz="1400" dirty="0" smtClean="0"/>
+              <a:t>Пропаганда газеты </a:t>
+            </a:r>
+            <a:r>
+              <a:rPr lang="en-US" sz="1400" dirty="0"/>
+              <a:t>La </a:t>
+            </a:r>
+            <a:r>
+              <a:rPr lang="en-US" sz="1400" dirty="0" err="1"/>
+              <a:t>Veu</a:t>
+            </a:r>
+            <a:r>
+              <a:rPr lang="en-US" sz="1400" dirty="0"/>
+              <a:t> de </a:t>
+            </a:r>
+            <a:r>
+              <a:rPr lang="en-US" sz="1400" dirty="0" err="1"/>
+              <a:t>Catalunya</a:t>
+            </a:r>
+            <a:endParaRPr lang="ru-RU" sz="1400" dirty="0" smtClean="0"/>
+          </a:p>
+        </p:txBody>
+      </p:sp>
+      <p:sp>
+        <p:nvSpPr>
+          <p:cNvPr id="56" name="Прямоугольник 55"/>
+          <p:cNvSpPr/>
+          <p:nvPr/>
+        </p:nvSpPr>
+        <p:spPr>
+          <a:xfrm>
+            <a:off x="5823060" y="5658745"/>
+            <a:ext cx="2115918" cy="1080000"/>
+          </a:xfrm>
+          <a:prstGeom prst="rect">
+            <a:avLst/>
+          </a:prstGeom>
+          <a:solidFill>
+            <a:schemeClr val="bg1">
+              <a:lumMod val="65000"/>
+            </a:schemeClr>
+          </a:solidFill>
+          <a:ln w="28575"/>
+        </p:spPr>
+        <p:style>
+          <a:lnRef idx="2">
+            <a:schemeClr val="accent1"/>
+          </a:lnRef>
+          <a:fillRef idx="1">
+            <a:schemeClr val="lt1"/>
+          </a:fillRef>
+          <a:effectRef idx="0">
+            <a:schemeClr val="accent1"/>
+          </a:effectRef>
+          <a:fontRef idx="minor">
+            <a:schemeClr val="dk1"/>
+          </a:fontRef>
+        </p:style>
+        <p:txBody>
+          <a:bodyPr lIns="124733" tIns="62367" rIns="124733" bIns="62367" rtlCol="0" anchor="ctr"/>
+          <a:lstStyle/>
+          <a:p>
+            <a:pPr algn="ctr"/>
+            <a:r>
+              <a:rPr lang="en-US" sz="1400" dirty="0" err="1"/>
+              <a:t>Monarquía</a:t>
+            </a:r>
+            <a:r>
+              <a:rPr lang="en-US" sz="1400" dirty="0"/>
+              <a:t>? </a:t>
+            </a:r>
+            <a:r>
+              <a:rPr lang="en-US" sz="1400" dirty="0" err="1"/>
+              <a:t>República</a:t>
+            </a:r>
+            <a:r>
+              <a:rPr lang="en-US" sz="1400" dirty="0"/>
+              <a:t>? </a:t>
+            </a:r>
+            <a:r>
+              <a:rPr lang="en-US" sz="1400" dirty="0" err="1"/>
+              <a:t>Catalunya</a:t>
+            </a:r>
+            <a:r>
+              <a:rPr lang="en-US" sz="1400" dirty="0" smtClean="0"/>
+              <a:t>!</a:t>
+            </a:r>
+            <a:r>
+              <a:rPr lang="ru-RU" sz="1400" dirty="0"/>
+              <a:t> </a:t>
+            </a:r>
+            <a:r>
+              <a:rPr lang="ru-RU" sz="700" dirty="0"/>
+              <a:t>(</a:t>
+            </a:r>
+            <a:r>
+              <a:rPr lang="ru-RU" sz="700" dirty="0" err="1"/>
+              <a:t>Камбо</a:t>
+            </a:r>
+            <a:r>
+              <a:rPr lang="ru-RU" sz="700" dirty="0"/>
+              <a:t> пытался удержать </a:t>
+            </a:r>
+            <a:r>
+              <a:rPr lang="ru-RU" sz="700" dirty="0" err="1"/>
+              <a:t>Lliga</a:t>
+            </a:r>
+            <a:r>
+              <a:rPr lang="ru-RU" sz="700" dirty="0"/>
+              <a:t> от борьбы между каталонскими левыми и монархией (это знаменитая фраза </a:t>
+            </a:r>
+            <a:r>
+              <a:rPr lang="ru-RU" sz="700" dirty="0" err="1"/>
+              <a:t>Monarquía</a:t>
+            </a:r>
+            <a:r>
+              <a:rPr lang="ru-RU" sz="700" dirty="0"/>
+              <a:t>? </a:t>
+            </a:r>
+            <a:r>
+              <a:rPr lang="ru-RU" sz="700" dirty="0" err="1"/>
+              <a:t>República</a:t>
+            </a:r>
+            <a:r>
+              <a:rPr lang="ru-RU" sz="700" dirty="0"/>
+              <a:t>? </a:t>
+            </a:r>
+            <a:r>
+              <a:rPr lang="ru-RU" sz="700" dirty="0" err="1"/>
+              <a:t>Catalunya</a:t>
+            </a:r>
+            <a:r>
+              <a:rPr lang="ru-RU" sz="700" dirty="0"/>
+              <a:t>! </a:t>
+            </a:r>
+            <a:r>
+              <a:rPr lang="ru-RU" sz="700" dirty="0" smtClean="0"/>
+              <a:t>),)</a:t>
+            </a:r>
+            <a:endParaRPr lang="ru-RU" sz="700" dirty="0" smtClean="0"/>
+          </a:p>
+        </p:txBody>
+      </p:sp>
+      <p:sp>
+        <p:nvSpPr>
+          <p:cNvPr id="57" name="Прямоугольник 56"/>
+          <p:cNvSpPr/>
+          <p:nvPr/>
+        </p:nvSpPr>
+        <p:spPr>
+          <a:xfrm>
+            <a:off x="8415804" y="5658745"/>
+            <a:ext cx="2115918" cy="1080000"/>
+          </a:xfrm>
+          <a:prstGeom prst="rect">
+            <a:avLst/>
+          </a:prstGeom>
+          <a:solidFill>
+            <a:schemeClr val="bg1">
+              <a:lumMod val="65000"/>
+            </a:schemeClr>
+          </a:solidFill>
+          <a:ln w="28575"/>
+        </p:spPr>
+        <p:style>
+          <a:lnRef idx="2">
+            <a:schemeClr val="accent1"/>
+          </a:lnRef>
+          <a:fillRef idx="1">
+            <a:schemeClr val="lt1"/>
+          </a:fillRef>
+          <a:effectRef idx="0">
+            <a:schemeClr val="accent1"/>
+          </a:effectRef>
+          <a:fontRef idx="minor">
+            <a:schemeClr val="dk1"/>
+          </a:fontRef>
+        </p:style>
+        <p:txBody>
+          <a:bodyPr lIns="124733" tIns="62367" rIns="124733" bIns="62367" rtlCol="0" anchor="ctr"/>
+          <a:lstStyle/>
+          <a:p>
+            <a:pPr algn="ctr"/>
+            <a:r>
+              <a:rPr lang="ru-RU" sz="1400" dirty="0" smtClean="0"/>
+              <a:t>Создание </a:t>
+            </a:r>
+            <a:r>
+              <a:rPr lang="ru-RU" sz="1400" dirty="0"/>
+              <a:t>боевых </a:t>
+            </a:r>
+            <a:r>
+              <a:rPr lang="ru-RU" sz="1400" dirty="0" smtClean="0"/>
+              <a:t>групп Лиги </a:t>
+            </a:r>
+            <a:r>
+              <a:rPr lang="ru-RU" sz="900" dirty="0"/>
+              <a:t>(В процессе гражданской войны в Испании Лига в конечном итоге распалась, объединив некоторых своих боевиков в единую партию, созданную генералом </a:t>
+            </a:r>
+            <a:r>
+              <a:rPr lang="ru-RU" sz="900" dirty="0" smtClean="0"/>
+              <a:t>Франко)</a:t>
+            </a:r>
+            <a:endParaRPr lang="ru-RU" sz="900" dirty="0" smtClean="0"/>
+          </a:p>
+        </p:txBody>
+      </p:sp>
+      <p:sp>
+        <p:nvSpPr>
+          <p:cNvPr id="58" name="Прямоугольник 57"/>
+          <p:cNvSpPr/>
+          <p:nvPr/>
+        </p:nvSpPr>
+        <p:spPr>
+          <a:xfrm>
+            <a:off x="7138125" y="7137314"/>
+            <a:ext cx="2115918" cy="1080000"/>
+          </a:xfrm>
+          <a:prstGeom prst="rect">
+            <a:avLst/>
+          </a:prstGeom>
+          <a:solidFill>
+            <a:schemeClr val="bg1">
+              <a:lumMod val="65000"/>
+            </a:schemeClr>
+          </a:solidFill>
+          <a:ln w="28575"/>
+        </p:spPr>
+        <p:style>
+          <a:lnRef idx="2">
+            <a:schemeClr val="accent1"/>
+          </a:lnRef>
+          <a:fillRef idx="1">
+            <a:schemeClr val="lt1"/>
+          </a:fillRef>
+          <a:effectRef idx="0">
+            <a:schemeClr val="accent1"/>
+          </a:effectRef>
+          <a:fontRef idx="minor">
+            <a:schemeClr val="dk1"/>
+          </a:fontRef>
+        </p:style>
+        <p:txBody>
+          <a:bodyPr lIns="124733" tIns="62367" rIns="124733" bIns="62367" rtlCol="0" anchor="ctr"/>
+          <a:lstStyle/>
+          <a:p>
+            <a:pPr algn="ctr"/>
+            <a:r>
+              <a:rPr lang="ru-RU" sz="1400" dirty="0" smtClean="0"/>
+              <a:t>Управление прессы </a:t>
+            </a:r>
+            <a:r>
+              <a:rPr lang="ru-RU" sz="1400" dirty="0"/>
+              <a:t>и пропаганды </a:t>
+            </a:r>
+            <a:r>
+              <a:rPr lang="ru-RU" sz="400" dirty="0"/>
+              <a:t>(В Париже было создано Управление прессы и пропаганды, первоначально </a:t>
+            </a:r>
+            <a:r>
+              <a:rPr lang="ru-RU" sz="400" dirty="0" err="1"/>
+              <a:t>финансировавшееся</a:t>
+            </a:r>
+            <a:r>
+              <a:rPr lang="ru-RU" sz="400" dirty="0"/>
+              <a:t> </a:t>
+            </a:r>
+            <a:r>
+              <a:rPr lang="ru-RU" sz="400" dirty="0" err="1"/>
+              <a:t>Камбо</a:t>
+            </a:r>
+            <a:r>
+              <a:rPr lang="ru-RU" sz="400" dirty="0"/>
+              <a:t>, для подготовки конфиденциальных отчетов для Службы секретной информации Национального посольства в Париже, подготовки регулярного бюллетеня (</a:t>
+            </a:r>
+            <a:r>
+              <a:rPr lang="ru-RU" sz="400" dirty="0" err="1"/>
+              <a:t>Bulletin</a:t>
+            </a:r>
+            <a:r>
+              <a:rPr lang="ru-RU" sz="400" dirty="0"/>
+              <a:t> </a:t>
+            </a:r>
+            <a:r>
+              <a:rPr lang="ru-RU" sz="400" dirty="0" err="1"/>
+              <a:t>d'Information</a:t>
+            </a:r>
+            <a:r>
+              <a:rPr lang="ru-RU" sz="400" dirty="0"/>
+              <a:t> </a:t>
+            </a:r>
+            <a:r>
+              <a:rPr lang="ru-RU" sz="400" dirty="0" err="1"/>
+              <a:t>Espagnole</a:t>
+            </a:r>
+            <a:r>
+              <a:rPr lang="ru-RU" sz="400" dirty="0"/>
+              <a:t>) на французском и испанском языках, редактирования и публиковать книги и брошюры в пользу фашистской стороны, такие как журнал «Запад», главное европейское периодическое издание, выступающее в поддержку дела </a:t>
+            </a:r>
+            <a:r>
+              <a:rPr lang="ru-RU" sz="400" dirty="0" err="1"/>
+              <a:t>франкистов</a:t>
+            </a:r>
+            <a:r>
+              <a:rPr lang="ru-RU" sz="400" dirty="0" smtClean="0"/>
+              <a:t>.)</a:t>
+            </a:r>
+            <a:endParaRPr lang="ru-RU" sz="400" dirty="0" smtClean="0"/>
+          </a:p>
+        </p:txBody>
+      </p:sp>
+      <p:sp>
+        <p:nvSpPr>
+          <p:cNvPr id="59" name="Прямоугольник 58"/>
+          <p:cNvSpPr/>
+          <p:nvPr/>
+        </p:nvSpPr>
+        <p:spPr>
+          <a:xfrm>
+            <a:off x="5823060" y="8620439"/>
+            <a:ext cx="2115918" cy="1080000"/>
+          </a:xfrm>
+          <a:prstGeom prst="rect">
+            <a:avLst/>
+          </a:prstGeom>
+          <a:solidFill>
+            <a:schemeClr val="bg1">
+              <a:lumMod val="65000"/>
+            </a:schemeClr>
+          </a:solidFill>
+          <a:ln w="28575"/>
+        </p:spPr>
+        <p:style>
+          <a:lnRef idx="2">
+            <a:schemeClr val="accent1"/>
+          </a:lnRef>
+          <a:fillRef idx="1">
+            <a:schemeClr val="lt1"/>
+          </a:fillRef>
+          <a:effectRef idx="0">
+            <a:schemeClr val="accent1"/>
+          </a:effectRef>
+          <a:fontRef idx="minor">
+            <a:schemeClr val="dk1"/>
+          </a:fontRef>
+        </p:style>
+        <p:txBody>
+          <a:bodyPr lIns="124733" tIns="62367" rIns="124733" bIns="62367" rtlCol="0" anchor="ctr"/>
+          <a:lstStyle/>
+          <a:p>
+            <a:pPr algn="ctr"/>
+            <a:r>
+              <a:rPr lang="ru-RU" sz="1400" dirty="0" smtClean="0"/>
+              <a:t>Служба секретной информации </a:t>
+            </a:r>
+            <a:endParaRPr lang="ru-RU" sz="1400" dirty="0" smtClean="0"/>
+          </a:p>
+        </p:txBody>
+      </p:sp>
+      <p:sp>
+        <p:nvSpPr>
+          <p:cNvPr id="60" name="Прямоугольник 59"/>
+          <p:cNvSpPr/>
+          <p:nvPr/>
+        </p:nvSpPr>
+        <p:spPr>
+          <a:xfrm>
+            <a:off x="8415804" y="8620439"/>
+            <a:ext cx="2115918" cy="1080000"/>
+          </a:xfrm>
+          <a:prstGeom prst="rect">
+            <a:avLst/>
+          </a:prstGeom>
+          <a:solidFill>
+            <a:schemeClr val="bg1">
+              <a:lumMod val="65000"/>
+            </a:schemeClr>
+          </a:solidFill>
+          <a:ln w="28575"/>
+        </p:spPr>
+        <p:style>
+          <a:lnRef idx="2">
+            <a:schemeClr val="accent1"/>
+          </a:lnRef>
+          <a:fillRef idx="1">
+            <a:schemeClr val="lt1"/>
+          </a:fillRef>
+          <a:effectRef idx="0">
+            <a:schemeClr val="accent1"/>
+          </a:effectRef>
+          <a:fontRef idx="minor">
+            <a:schemeClr val="dk1"/>
+          </a:fontRef>
+        </p:style>
+        <p:txBody>
+          <a:bodyPr lIns="124733" tIns="62367" rIns="124733" bIns="62367" rtlCol="0" anchor="ctr"/>
+          <a:lstStyle/>
+          <a:p>
+            <a:pPr algn="ctr"/>
+            <a:r>
+              <a:rPr lang="ru-RU" sz="1400" dirty="0" smtClean="0"/>
+              <a:t>Оказать влияние на Франци</a:t>
+            </a:r>
+            <a:r>
+              <a:rPr lang="ru-RU" sz="1400" dirty="0"/>
+              <a:t>ю</a:t>
+            </a:r>
+            <a:endParaRPr lang="ru-RU" sz="1400" dirty="0" smtClean="0"/>
+          </a:p>
+        </p:txBody>
+      </p:sp>
+      <p:sp>
+        <p:nvSpPr>
+          <p:cNvPr id="61" name="Прямоугольник 60"/>
+          <p:cNvSpPr/>
+          <p:nvPr/>
+        </p:nvSpPr>
+        <p:spPr>
+          <a:xfrm>
+            <a:off x="5823060" y="10108647"/>
+            <a:ext cx="2115918" cy="1080000"/>
+          </a:xfrm>
+          <a:prstGeom prst="rect">
+            <a:avLst/>
+          </a:prstGeom>
+          <a:solidFill>
+            <a:schemeClr val="bg1">
+              <a:lumMod val="65000"/>
+            </a:schemeClr>
+          </a:solidFill>
+          <a:ln w="28575"/>
+        </p:spPr>
+        <p:style>
+          <a:lnRef idx="2">
+            <a:schemeClr val="accent1"/>
+          </a:lnRef>
+          <a:fillRef idx="1">
+            <a:schemeClr val="lt1"/>
+          </a:fillRef>
+          <a:effectRef idx="0">
+            <a:schemeClr val="accent1"/>
+          </a:effectRef>
+          <a:fontRef idx="minor">
+            <a:schemeClr val="dk1"/>
+          </a:fontRef>
+        </p:style>
+        <p:txBody>
+          <a:bodyPr lIns="124733" tIns="62367" rIns="124733" bIns="62367" rtlCol="0" anchor="ctr"/>
+          <a:lstStyle/>
+          <a:p>
+            <a:pPr algn="ctr"/>
+            <a:r>
+              <a:rPr lang="ru-RU" sz="1400" dirty="0" smtClean="0"/>
+              <a:t>Информационная служба Северо-Восточной Испании </a:t>
+            </a:r>
+            <a:r>
+              <a:rPr lang="ru-RU" sz="1050" dirty="0" smtClean="0"/>
+              <a:t>(</a:t>
+            </a:r>
+            <a:r>
+              <a:rPr lang="es-ES" sz="1050" dirty="0"/>
+              <a:t>Servicio de Información del Nordeste de España (SIFNE</a:t>
+            </a:r>
+            <a:r>
+              <a:rPr lang="es-ES" sz="1050" dirty="0" smtClean="0"/>
+              <a:t>)</a:t>
+            </a:r>
+            <a:r>
+              <a:rPr lang="ru-RU" sz="1050" dirty="0" smtClean="0"/>
+              <a:t>)</a:t>
+            </a:r>
+            <a:endParaRPr lang="ru-RU" sz="1050" dirty="0" smtClean="0"/>
+          </a:p>
+        </p:txBody>
+      </p:sp>
+      <p:sp>
+        <p:nvSpPr>
+          <p:cNvPr id="62" name="Прямоугольник 61"/>
+          <p:cNvSpPr/>
+          <p:nvPr/>
+        </p:nvSpPr>
+        <p:spPr>
+          <a:xfrm>
+            <a:off x="8415804" y="10108647"/>
+            <a:ext cx="2115918" cy="1080000"/>
+          </a:xfrm>
+          <a:prstGeom prst="rect">
+            <a:avLst/>
+          </a:prstGeom>
+          <a:solidFill>
+            <a:schemeClr val="bg1">
+              <a:lumMod val="65000"/>
+            </a:schemeClr>
+          </a:solidFill>
+          <a:ln w="28575"/>
+        </p:spPr>
+        <p:style>
+          <a:lnRef idx="2">
+            <a:schemeClr val="accent1"/>
+          </a:lnRef>
+          <a:fillRef idx="1">
+            <a:schemeClr val="lt1"/>
+          </a:fillRef>
+          <a:effectRef idx="0">
+            <a:schemeClr val="accent1"/>
+          </a:effectRef>
+          <a:fontRef idx="minor">
+            <a:schemeClr val="dk1"/>
+          </a:fontRef>
+        </p:style>
+        <p:txBody>
+          <a:bodyPr lIns="124733" tIns="62367" rIns="124733" bIns="62367" rtlCol="0" anchor="ctr"/>
+          <a:lstStyle/>
+          <a:p>
+            <a:pPr algn="ctr"/>
+            <a:r>
+              <a:rPr lang="ru-RU" sz="1400" dirty="0" smtClean="0"/>
+              <a:t>Объединить Каталонию</a:t>
+            </a:r>
+            <a:endParaRPr lang="ru-RU" sz="1400" dirty="0" smtClean="0"/>
+          </a:p>
+        </p:txBody>
+      </p:sp>
+      <p:sp>
+        <p:nvSpPr>
+          <p:cNvPr id="63" name="Прямоугольник 62"/>
+          <p:cNvSpPr/>
+          <p:nvPr/>
+        </p:nvSpPr>
+        <p:spPr>
+          <a:xfrm>
+            <a:off x="7138125" y="11582133"/>
+            <a:ext cx="2115918" cy="1080000"/>
+          </a:xfrm>
+          <a:prstGeom prst="rect">
+            <a:avLst/>
+          </a:prstGeom>
+          <a:solidFill>
+            <a:schemeClr val="bg1">
+              <a:lumMod val="65000"/>
+            </a:schemeClr>
+          </a:solidFill>
+          <a:ln w="28575"/>
+        </p:spPr>
+        <p:style>
+          <a:lnRef idx="2">
+            <a:schemeClr val="accent1"/>
+          </a:lnRef>
+          <a:fillRef idx="1">
+            <a:schemeClr val="lt1"/>
+          </a:fillRef>
+          <a:effectRef idx="0">
+            <a:schemeClr val="accent1"/>
+          </a:effectRef>
+          <a:fontRef idx="minor">
+            <a:schemeClr val="dk1"/>
+          </a:fontRef>
+        </p:style>
+        <p:txBody>
+          <a:bodyPr lIns="124733" tIns="62367" rIns="124733" bIns="62367" rtlCol="0" anchor="ctr"/>
+          <a:lstStyle/>
+          <a:p>
+            <a:pPr algn="ctr"/>
+            <a:r>
+              <a:rPr lang="ru-RU" sz="1400" dirty="0"/>
+              <a:t>RADIO </a:t>
+            </a:r>
+            <a:r>
+              <a:rPr lang="ru-RU" sz="1400" dirty="0" err="1" smtClean="0"/>
+              <a:t>Veritat</a:t>
             </a:r>
             <a:r>
               <a:rPr lang="ru-RU" sz="1400" dirty="0" smtClean="0"/>
               <a:t> </a:t>
             </a:r>
             <a:r>
-              <a:rPr lang="ru-RU" sz="1100" dirty="0" smtClean="0"/>
-              <a:t>Глава 52)</a:t>
-            </a:r>
-            <a:endParaRPr lang="ru-RU" sz="1100" dirty="0" smtClean="0"/>
-          </a:p>
-        </p:txBody>
-      </p:sp>
+              <a:rPr lang="ru-RU" sz="700" dirty="0" smtClean="0"/>
+              <a:t>(RADIO </a:t>
+            </a:r>
+            <a:r>
+              <a:rPr lang="ru-RU" sz="700" dirty="0" err="1"/>
+              <a:t>Veritat</a:t>
+            </a:r>
+            <a:r>
+              <a:rPr lang="ru-RU" sz="700" dirty="0"/>
+              <a:t> (на испанском языке, Радио Истина ) пропагандистская радиостанция вещания из Рима в каталонском языке в пользу стороны повстанцев во время гражданской войны в Испании . [ 1 </a:t>
+            </a:r>
+            <a:r>
+              <a:rPr lang="ru-RU" sz="700" dirty="0" smtClean="0"/>
+              <a:t>])</a:t>
+            </a:r>
+            <a:endParaRPr lang="ru-RU" sz="700" dirty="0" smtClean="0"/>
+          </a:p>
+        </p:txBody>
+      </p:sp>
+      <p:cxnSp>
+        <p:nvCxnSpPr>
+          <p:cNvPr id="64" name="Соединительная линия уступом 63"/>
+          <p:cNvCxnSpPr>
+            <a:stCxn id="41" idx="2"/>
+            <a:endCxn id="54" idx="0"/>
+          </p:cNvCxnSpPr>
+          <p:nvPr/>
+        </p:nvCxnSpPr>
+        <p:spPr>
+          <a:xfrm rot="16200000" flipH="1">
+            <a:off x="6708487" y="2696008"/>
+            <a:ext cx="398570" cy="2576623"/>
+          </a:xfrm>
+          <a:prstGeom prst="bentConnector3">
+            <a:avLst>
+              <a:gd name="adj1" fmla="val 50000"/>
+            </a:avLst>
+          </a:prstGeom>
+          <a:ln w="28575">
+            <a:tailEnd type="arrow"/>
+          </a:ln>
+        </p:spPr>
+        <p:style>
+          <a:lnRef idx="1">
+            <a:schemeClr val="accent1"/>
+          </a:lnRef>
+          <a:fillRef idx="0">
+            <a:schemeClr val="accent1"/>
+          </a:fillRef>
+          <a:effectRef idx="0">
+            <a:schemeClr val="accent1"/>
+          </a:effectRef>
+          <a:fontRef idx="minor">
+            <a:schemeClr val="tx1"/>
+          </a:fontRef>
+        </p:style>
+      </p:cxnSp>
+      <p:cxnSp>
+        <p:nvCxnSpPr>
+          <p:cNvPr id="67" name="Соединительная линия уступом 66"/>
+          <p:cNvCxnSpPr>
+            <a:stCxn id="54" idx="2"/>
+            <a:endCxn id="57" idx="0"/>
+          </p:cNvCxnSpPr>
+          <p:nvPr/>
+        </p:nvCxnSpPr>
+        <p:spPr>
+          <a:xfrm rot="16200000" flipH="1">
+            <a:off x="8637353" y="4822335"/>
+            <a:ext cx="395140" cy="1277679"/>
+          </a:xfrm>
+          <a:prstGeom prst="bentConnector3">
+            <a:avLst>
+              <a:gd name="adj1" fmla="val 50000"/>
+            </a:avLst>
+          </a:prstGeom>
+          <a:ln w="28575">
+            <a:tailEnd type="arrow"/>
+          </a:ln>
+        </p:spPr>
+        <p:style>
+          <a:lnRef idx="1">
+            <a:schemeClr val="accent1"/>
+          </a:lnRef>
+          <a:fillRef idx="0">
+            <a:schemeClr val="accent1"/>
+          </a:fillRef>
+          <a:effectRef idx="0">
+            <a:schemeClr val="accent1"/>
+          </a:effectRef>
+          <a:fontRef idx="minor">
+            <a:schemeClr val="tx1"/>
+          </a:fontRef>
+        </p:style>
+      </p:cxnSp>
+      <p:cxnSp>
+        <p:nvCxnSpPr>
+          <p:cNvPr id="71" name="Соединительная линия уступом 70"/>
+          <p:cNvCxnSpPr>
+            <a:stCxn id="54" idx="2"/>
+            <a:endCxn id="56" idx="0"/>
+          </p:cNvCxnSpPr>
+          <p:nvPr/>
+        </p:nvCxnSpPr>
+        <p:spPr>
+          <a:xfrm rot="5400000">
+            <a:off x="7340982" y="4803643"/>
+            <a:ext cx="395140" cy="1315065"/>
+          </a:xfrm>
+          <a:prstGeom prst="bentConnector3">
+            <a:avLst>
+              <a:gd name="adj1" fmla="val 50000"/>
+            </a:avLst>
+          </a:prstGeom>
+          <a:ln w="28575">
+            <a:tailEnd type="arrow"/>
+          </a:ln>
+        </p:spPr>
+        <p:style>
+          <a:lnRef idx="1">
+            <a:schemeClr val="accent1"/>
+          </a:lnRef>
+          <a:fillRef idx="0">
+            <a:schemeClr val="accent1"/>
+          </a:fillRef>
+          <a:effectRef idx="0">
+            <a:schemeClr val="accent1"/>
+          </a:effectRef>
+          <a:fontRef idx="minor">
+            <a:schemeClr val="tx1"/>
+          </a:fontRef>
+        </p:style>
+      </p:cxnSp>
+      <p:cxnSp>
+        <p:nvCxnSpPr>
+          <p:cNvPr id="75" name="Соединительная линия уступом 74"/>
+          <p:cNvCxnSpPr>
+            <a:stCxn id="58" idx="2"/>
+            <a:endCxn id="59" idx="0"/>
+          </p:cNvCxnSpPr>
+          <p:nvPr/>
+        </p:nvCxnSpPr>
+        <p:spPr>
+          <a:xfrm rot="5400000">
+            <a:off x="7336990" y="7761344"/>
+            <a:ext cx="403125" cy="1315065"/>
+          </a:xfrm>
+          <a:prstGeom prst="bentConnector3">
+            <a:avLst>
+              <a:gd name="adj1" fmla="val 50000"/>
+            </a:avLst>
+          </a:prstGeom>
+          <a:ln w="28575">
+            <a:tailEnd type="arrow"/>
+          </a:ln>
+        </p:spPr>
+        <p:style>
+          <a:lnRef idx="1">
+            <a:schemeClr val="accent1"/>
+          </a:lnRef>
+          <a:fillRef idx="0">
+            <a:schemeClr val="accent1"/>
+          </a:fillRef>
+          <a:effectRef idx="0">
+            <a:schemeClr val="accent1"/>
+          </a:effectRef>
+          <a:fontRef idx="minor">
+            <a:schemeClr val="tx1"/>
+          </a:fontRef>
+        </p:style>
+      </p:cxnSp>
+      <p:cxnSp>
+        <p:nvCxnSpPr>
+          <p:cNvPr id="78" name="Соединительная линия уступом 77"/>
+          <p:cNvCxnSpPr>
+            <a:stCxn id="58" idx="2"/>
+            <a:endCxn id="63" idx="0"/>
+          </p:cNvCxnSpPr>
+          <p:nvPr/>
+        </p:nvCxnSpPr>
+        <p:spPr>
+          <a:xfrm rot="5400000">
+            <a:off x="6513675" y="9899723"/>
+            <a:ext cx="3364819" cy="12700"/>
+          </a:xfrm>
+          <a:prstGeom prst="bentConnector3">
+            <a:avLst>
+              <a:gd name="adj1" fmla="val 50000"/>
+            </a:avLst>
+          </a:prstGeom>
+          <a:ln w="28575">
+            <a:tailEnd type="arrow"/>
+          </a:ln>
+        </p:spPr>
+        <p:style>
+          <a:lnRef idx="1">
+            <a:schemeClr val="accent1"/>
+          </a:lnRef>
+          <a:fillRef idx="0">
+            <a:schemeClr val="accent1"/>
+          </a:fillRef>
+          <a:effectRef idx="0">
+            <a:schemeClr val="accent1"/>
+          </a:effectRef>
+          <a:fontRef idx="minor">
+            <a:schemeClr val="tx1"/>
+          </a:fontRef>
+        </p:style>
+      </p:cxnSp>
+      <p:cxnSp>
+        <p:nvCxnSpPr>
+          <p:cNvPr id="81" name="Соединительная линия уступом 80"/>
+          <p:cNvCxnSpPr>
+            <a:stCxn id="58" idx="2"/>
+            <a:endCxn id="60" idx="0"/>
+          </p:cNvCxnSpPr>
+          <p:nvPr/>
+        </p:nvCxnSpPr>
+        <p:spPr>
+          <a:xfrm rot="16200000" flipH="1">
+            <a:off x="8633361" y="7780036"/>
+            <a:ext cx="403125" cy="1277679"/>
+          </a:xfrm>
+          <a:prstGeom prst="bentConnector3">
+            <a:avLst>
+              <a:gd name="adj1" fmla="val 50000"/>
+            </a:avLst>
+          </a:prstGeom>
+          <a:ln w="28575">
+            <a:tailEnd type="arrow"/>
+          </a:ln>
+        </p:spPr>
+        <p:style>
+          <a:lnRef idx="1">
+            <a:schemeClr val="accent1"/>
+          </a:lnRef>
+          <a:fillRef idx="0">
+            <a:schemeClr val="accent1"/>
+          </a:fillRef>
+          <a:effectRef idx="0">
+            <a:schemeClr val="accent1"/>
+          </a:effectRef>
+          <a:fontRef idx="minor">
+            <a:schemeClr val="tx1"/>
+          </a:fontRef>
+        </p:style>
+      </p:cxnSp>
+      <p:cxnSp>
+        <p:nvCxnSpPr>
+          <p:cNvPr id="84" name="Соединительная линия уступом 83"/>
+          <p:cNvCxnSpPr>
+            <a:stCxn id="59" idx="2"/>
+            <a:endCxn id="61" idx="0"/>
+          </p:cNvCxnSpPr>
+          <p:nvPr/>
+        </p:nvCxnSpPr>
+        <p:spPr>
+          <a:xfrm rot="5400000">
+            <a:off x="6676915" y="9904543"/>
+            <a:ext cx="408208" cy="12700"/>
+          </a:xfrm>
+          <a:prstGeom prst="bentConnector3">
+            <a:avLst>
+              <a:gd name="adj1" fmla="val 50000"/>
+            </a:avLst>
+          </a:prstGeom>
+          <a:ln w="28575">
+            <a:tailEnd type="arrow"/>
+          </a:ln>
+        </p:spPr>
+        <p:style>
+          <a:lnRef idx="1">
+            <a:schemeClr val="accent1"/>
+          </a:lnRef>
+          <a:fillRef idx="0">
+            <a:schemeClr val="accent1"/>
+          </a:fillRef>
+          <a:effectRef idx="0">
+            <a:schemeClr val="accent1"/>
+          </a:effectRef>
+          <a:fontRef idx="minor">
+            <a:schemeClr val="tx1"/>
+          </a:fontRef>
+        </p:style>
+      </p:cxnSp>
+      <p:cxnSp>
+        <p:nvCxnSpPr>
+          <p:cNvPr id="88" name="Соединительная линия уступом 87"/>
+          <p:cNvCxnSpPr>
+            <a:stCxn id="60" idx="2"/>
+            <a:endCxn id="62" idx="0"/>
+          </p:cNvCxnSpPr>
+          <p:nvPr/>
+        </p:nvCxnSpPr>
+        <p:spPr>
+          <a:xfrm rot="5400000">
+            <a:off x="9269659" y="9904543"/>
+            <a:ext cx="408208" cy="12700"/>
+          </a:xfrm>
+          <a:prstGeom prst="bentConnector3">
+            <a:avLst>
+              <a:gd name="adj1" fmla="val 50000"/>
+            </a:avLst>
+          </a:prstGeom>
+          <a:ln w="28575">
+            <a:tailEnd type="arrow"/>
+          </a:ln>
+        </p:spPr>
+        <p:style>
+          <a:lnRef idx="1">
+            <a:schemeClr val="accent1"/>
+          </a:lnRef>
+          <a:fillRef idx="0">
+            <a:schemeClr val="accent1"/>
+          </a:fillRef>
+          <a:effectRef idx="0">
+            <a:schemeClr val="accent1"/>
+          </a:effectRef>
+          <a:fontRef idx="minor">
+            <a:schemeClr val="tx1"/>
+          </a:fontRef>
+        </p:style>
+      </p:cxnSp>
+      <p:cxnSp>
+        <p:nvCxnSpPr>
+          <p:cNvPr id="94" name="Соединительная линия уступом 93"/>
+          <p:cNvCxnSpPr>
+            <a:stCxn id="54" idx="2"/>
+            <a:endCxn id="58" idx="0"/>
+          </p:cNvCxnSpPr>
+          <p:nvPr/>
+        </p:nvCxnSpPr>
+        <p:spPr>
+          <a:xfrm rot="5400000">
+            <a:off x="7259230" y="6200459"/>
+            <a:ext cx="1873709" cy="12700"/>
+          </a:xfrm>
+          <a:prstGeom prst="bentConnector3">
+            <a:avLst>
+              <a:gd name="adj1" fmla="val 50000"/>
+            </a:avLst>
+          </a:prstGeom>
+          <a:ln w="28575">
+            <a:tailEnd type="arrow"/>
+          </a:ln>
+        </p:spPr>
+        <p:style>
+          <a:lnRef idx="1">
+            <a:schemeClr val="accent1"/>
+          </a:lnRef>
+          <a:fillRef idx="0">
+            <a:schemeClr val="accent1"/>
+          </a:fillRef>
+          <a:effectRef idx="0">
+            <a:schemeClr val="accent1"/>
+          </a:effectRef>
+          <a:fontRef idx="minor">
+            <a:schemeClr val="tx1"/>
+          </a:fontRef>
+        </p:style>
+      </p:cxnSp>
+      <p:cxnSp>
+        <p:nvCxnSpPr>
+          <p:cNvPr id="97" name="Соединительная линия уступом 96"/>
+          <p:cNvCxnSpPr>
+            <a:stCxn id="41" idx="2"/>
+            <a:endCxn id="44" idx="0"/>
+          </p:cNvCxnSpPr>
+          <p:nvPr/>
+        </p:nvCxnSpPr>
+        <p:spPr>
+          <a:xfrm rot="5400000">
+            <a:off x="5420176" y="3984320"/>
+            <a:ext cx="398570" cy="12700"/>
+          </a:xfrm>
+          <a:prstGeom prst="bentConnector3">
+            <a:avLst>
+              <a:gd name="adj1" fmla="val 50000"/>
+            </a:avLst>
+          </a:prstGeom>
+          <a:ln w="28575">
+            <a:tailEnd type="arrow"/>
+          </a:ln>
+        </p:spPr>
+        <p:style>
+          <a:lnRef idx="1">
+            <a:schemeClr val="accent1"/>
+          </a:lnRef>
+          <a:fillRef idx="0">
+            <a:schemeClr val="accent1"/>
+          </a:fillRef>
+          <a:effectRef idx="0">
+            <a:schemeClr val="accent1"/>
+          </a:effectRef>
+          <a:fontRef idx="minor">
+            <a:schemeClr val="tx1"/>
+          </a:fontRef>
+        </p:style>
+      </p:cxnSp>
     </p:spTree>
     <p:extLst>
       <p:ext uri="{BB962C8B-B14F-4D97-AF65-F5344CB8AC3E}">

--- a/Наработки/диздоки/Испания/Каталония.pptx
+++ b/Наработки/диздоки/Испания/Каталония.pptx
@@ -109,7 +109,7 @@
   </p:defaultTextStyle>
   <p:extLst>
     <p:ext uri="{EFAFB233-063F-42B5-8137-9DF3F51BA10A}">
-      <p15:sldGuideLst xmlns:p15="http://schemas.microsoft.com/office/powerpoint/2012/main">
+      <p15:sldGuideLst xmlns:p15="http://schemas.microsoft.com/office/powerpoint/2012/main" xmlns="">
         <p15:guide id="1" orient="horz" pos="11344">
           <p15:clr>
             <a:srgbClr val="A4A3A4"/>
@@ -209,7 +209,7 @@
             <a:fld id="{33E3D7F9-E251-484C-A6FF-FA958879DF69}" type="datetimeFigureOut">
               <a:rPr lang="ru-RU" smtClean="0"/>
               <a:pPr/>
-              <a:t>28.10.2021</a:t>
+              <a:t>22.11.2023</a:t>
             </a:fld>
             <a:endParaRPr lang="ru-RU"/>
           </a:p>
@@ -700,7 +700,7 @@
             <a:fld id="{85A5DE44-605B-4D3B-B2B7-94543DF81A36}" type="datetimeFigureOut">
               <a:rPr lang="ru-RU" smtClean="0"/>
               <a:pPr/>
-              <a:t>28.10.2021</a:t>
+              <a:t>22.11.2023</a:t>
             </a:fld>
             <a:endParaRPr lang="ru-RU"/>
           </a:p>
@@ -872,7 +872,7 @@
             <a:fld id="{85A5DE44-605B-4D3B-B2B7-94543DF81A36}" type="datetimeFigureOut">
               <a:rPr lang="ru-RU" smtClean="0"/>
               <a:pPr/>
-              <a:t>28.10.2021</a:t>
+              <a:t>22.11.2023</a:t>
             </a:fld>
             <a:endParaRPr lang="ru-RU"/>
           </a:p>
@@ -1054,7 +1054,7 @@
             <a:fld id="{85A5DE44-605B-4D3B-B2B7-94543DF81A36}" type="datetimeFigureOut">
               <a:rPr lang="ru-RU" smtClean="0"/>
               <a:pPr/>
-              <a:t>28.10.2021</a:t>
+              <a:t>22.11.2023</a:t>
             </a:fld>
             <a:endParaRPr lang="ru-RU"/>
           </a:p>
@@ -1226,7 +1226,7 @@
             <a:fld id="{85A5DE44-605B-4D3B-B2B7-94543DF81A36}" type="datetimeFigureOut">
               <a:rPr lang="ru-RU" smtClean="0"/>
               <a:pPr/>
-              <a:t>28.10.2021</a:t>
+              <a:t>22.11.2023</a:t>
             </a:fld>
             <a:endParaRPr lang="ru-RU"/>
           </a:p>
@@ -1474,7 +1474,7 @@
             <a:fld id="{85A5DE44-605B-4D3B-B2B7-94543DF81A36}" type="datetimeFigureOut">
               <a:rPr lang="ru-RU" smtClean="0"/>
               <a:pPr/>
-              <a:t>28.10.2021</a:t>
+              <a:t>22.11.2023</a:t>
             </a:fld>
             <a:endParaRPr lang="ru-RU"/>
           </a:p>
@@ -1708,7 +1708,7 @@
             <a:fld id="{85A5DE44-605B-4D3B-B2B7-94543DF81A36}" type="datetimeFigureOut">
               <a:rPr lang="ru-RU" smtClean="0"/>
               <a:pPr/>
-              <a:t>28.10.2021</a:t>
+              <a:t>22.11.2023</a:t>
             </a:fld>
             <a:endParaRPr lang="ru-RU"/>
           </a:p>
@@ -2077,7 +2077,7 @@
             <a:fld id="{85A5DE44-605B-4D3B-B2B7-94543DF81A36}" type="datetimeFigureOut">
               <a:rPr lang="ru-RU" smtClean="0"/>
               <a:pPr/>
-              <a:t>28.10.2021</a:t>
+              <a:t>22.11.2023</a:t>
             </a:fld>
             <a:endParaRPr lang="ru-RU"/>
           </a:p>
@@ -2197,7 +2197,7 @@
             <a:fld id="{85A5DE44-605B-4D3B-B2B7-94543DF81A36}" type="datetimeFigureOut">
               <a:rPr lang="ru-RU" smtClean="0"/>
               <a:pPr/>
-              <a:t>28.10.2021</a:t>
+              <a:t>22.11.2023</a:t>
             </a:fld>
             <a:endParaRPr lang="ru-RU"/>
           </a:p>
@@ -2294,7 +2294,7 @@
             <a:fld id="{85A5DE44-605B-4D3B-B2B7-94543DF81A36}" type="datetimeFigureOut">
               <a:rPr lang="ru-RU" smtClean="0"/>
               <a:pPr/>
-              <a:t>28.10.2021</a:t>
+              <a:t>22.11.2023</a:t>
             </a:fld>
             <a:endParaRPr lang="ru-RU"/>
           </a:p>
@@ -2573,7 +2573,7 @@
             <a:fld id="{85A5DE44-605B-4D3B-B2B7-94543DF81A36}" type="datetimeFigureOut">
               <a:rPr lang="ru-RU" smtClean="0"/>
               <a:pPr/>
-              <a:t>28.10.2021</a:t>
+              <a:t>22.11.2023</a:t>
             </a:fld>
             <a:endParaRPr lang="ru-RU"/>
           </a:p>
@@ -2832,7 +2832,7 @@
             <a:fld id="{85A5DE44-605B-4D3B-B2B7-94543DF81A36}" type="datetimeFigureOut">
               <a:rPr lang="ru-RU" smtClean="0"/>
               <a:pPr/>
-              <a:t>28.10.2021</a:t>
+              <a:t>22.11.2023</a:t>
             </a:fld>
             <a:endParaRPr lang="ru-RU"/>
           </a:p>
@@ -3047,7 +3047,7 @@
             <a:fld id="{85A5DE44-605B-4D3B-B2B7-94543DF81A36}" type="datetimeFigureOut">
               <a:rPr lang="ru-RU" smtClean="0"/>
               <a:pPr/>
-              <a:t>28.10.2021</a:t>
+              <a:t>22.11.2023</a:t>
             </a:fld>
             <a:endParaRPr lang="ru-RU"/>
           </a:p>
@@ -6596,7 +6596,6 @@
               <a:rPr lang="ru-RU" sz="300" dirty="0" smtClean="0"/>
               <a:t>».)</a:t>
             </a:r>
-            <a:endParaRPr lang="ru-RU" sz="300" dirty="0" smtClean="0"/>
           </a:p>
         </p:txBody>
       </p:sp>
@@ -6791,7 +6790,6 @@
               <a:rPr lang="ru-RU" sz="500" dirty="0" smtClean="0"/>
               <a:t>.</a:t>
             </a:r>
-            <a:endParaRPr lang="ru-RU" sz="500" dirty="0" smtClean="0"/>
           </a:p>
         </p:txBody>
       </p:sp>
@@ -6975,7 +6973,6 @@
               <a:rPr lang="ru-RU" sz="700" dirty="0" smtClean="0"/>
               <a:t>),)</a:t>
             </a:r>
-            <a:endParaRPr lang="ru-RU" sz="700" dirty="0" smtClean="0"/>
           </a:p>
         </p:txBody>
       </p:sp>
@@ -7039,7 +7036,6 @@
               <a:rPr lang="ru-RU" sz="900" dirty="0" smtClean="0"/>
               <a:t>Франко)</a:t>
             </a:r>
-            <a:endParaRPr lang="ru-RU" sz="900" dirty="0" smtClean="0"/>
           </a:p>
         </p:txBody>
       </p:sp>
@@ -7143,7 +7139,6 @@
               <a:rPr lang="ru-RU" sz="400" dirty="0" smtClean="0"/>
               <a:t>.)</a:t>
             </a:r>
-            <a:endParaRPr lang="ru-RU" sz="400" dirty="0" smtClean="0"/>
           </a:p>
         </p:txBody>
       </p:sp>
@@ -7191,7 +7186,6 @@
               <a:rPr lang="ru-RU" sz="1400" dirty="0" smtClean="0"/>
               <a:t>Служба секретной информации </a:t>
             </a:r>
-            <a:endParaRPr lang="ru-RU" sz="1400" dirty="0" smtClean="0"/>
           </a:p>
         </p:txBody>
       </p:sp>
@@ -7307,7 +7301,6 @@
               <a:rPr lang="ru-RU" sz="1050" dirty="0" smtClean="0"/>
               <a:t>)</a:t>
             </a:r>
-            <a:endParaRPr lang="ru-RU" sz="1050" dirty="0" smtClean="0"/>
           </a:p>
         </p:txBody>
       </p:sp>
@@ -7355,7 +7348,6 @@
               <a:rPr lang="ru-RU" sz="1400" dirty="0" smtClean="0"/>
               <a:t>Объединить Каталонию</a:t>
             </a:r>
-            <a:endParaRPr lang="ru-RU" sz="1400" dirty="0" smtClean="0"/>
           </a:p>
         </p:txBody>
       </p:sp>
@@ -7427,7 +7419,6 @@
               <a:rPr lang="ru-RU" sz="700" dirty="0" smtClean="0"/>
               <a:t>])</a:t>
             </a:r>
-            <a:endParaRPr lang="ru-RU" sz="700" dirty="0" smtClean="0"/>
           </a:p>
         </p:txBody>
       </p:sp>
@@ -8086,7 +8077,7 @@
   <a:extraClrSchemeLst/>
   <a:extLst>
     <a:ext uri="{05A4C25C-085E-4340-85A3-A5531E510DB2}">
-      <thm15:themeFamily xmlns:thm15="http://schemas.microsoft.com/office/thememl/2012/main" name="Office Theme" id="{62F939B6-93AF-4DB8-9C6B-D6C7DFDC589F}" vid="{4A3C46E8-61CC-4603-A589-7422A47A8E4A}"/>
+      <thm15:themeFamily xmlns:thm15="http://schemas.microsoft.com/office/thememl/2012/main" xmlns="" name="Office Theme" id="{62F939B6-93AF-4DB8-9C6B-D6C7DFDC589F}" vid="{4A3C46E8-61CC-4603-A589-7422A47A8E4A}"/>
     </a:ext>
   </a:extLst>
 </a:theme>
@@ -8347,7 +8338,7 @@
   <a:extraClrSchemeLst/>
   <a:extLst>
     <a:ext uri="{05A4C25C-085E-4340-85A3-A5531E510DB2}">
-      <thm15:themeFamily xmlns:thm15="http://schemas.microsoft.com/office/thememl/2012/main" name="Office Theme" id="{62F939B6-93AF-4DB8-9C6B-D6C7DFDC589F}" vid="{4A3C46E8-61CC-4603-A589-7422A47A8E4A}"/>
+      <thm15:themeFamily xmlns:thm15="http://schemas.microsoft.com/office/thememl/2012/main" xmlns="" name="Office Theme" id="{62F939B6-93AF-4DB8-9C6B-D6C7DFDC589F}" vid="{4A3C46E8-61CC-4603-A589-7422A47A8E4A}"/>
     </a:ext>
   </a:extLst>
 </a:theme>
